--- a/weekly_meetings/09092022_Presentation.pptx
+++ b/weekly_meetings/09092022_Presentation.pptx
@@ -9,6 +9,7 @@
     <p:sldId id="257" r:id="rId3"/>
     <p:sldId id="258" r:id="rId4"/>
     <p:sldId id="261" r:id="rId5"/>
+    <p:sldId id="262" r:id="rId6"/>
   </p:sldIdLst>
   <p:sldSz cx="12192000" cy="6858000"/>
   <p:notesSz cx="6858000" cy="9144000"/>
@@ -285,7 +286,7 @@
           <a:p>
             <a:fld id="{E44F3716-7E2A-144C-BF83-BF0124CABBAB}" type="datetimeFigureOut">
               <a:rPr lang="en-US" smtClean="0"/>
-              <a:t>9/3/22</a:t>
+              <a:t>9/4/22</a:t>
             </a:fld>
             <a:endParaRPr lang="en-US"/>
           </a:p>
@@ -552,7 +553,7 @@
           <a:p>
             <a:fld id="{E44F3716-7E2A-144C-BF83-BF0124CABBAB}" type="datetimeFigureOut">
               <a:rPr lang="en-US" smtClean="0"/>
-              <a:t>9/3/22</a:t>
+              <a:t>9/4/22</a:t>
             </a:fld>
             <a:endParaRPr lang="en-US"/>
           </a:p>
@@ -783,7 +784,7 @@
           <a:p>
             <a:fld id="{E44F3716-7E2A-144C-BF83-BF0124CABBAB}" type="datetimeFigureOut">
               <a:rPr lang="en-US" smtClean="0"/>
-              <a:t>9/3/22</a:t>
+              <a:t>9/4/22</a:t>
             </a:fld>
             <a:endParaRPr lang="en-US"/>
           </a:p>
@@ -1093,7 +1094,7 @@
           <a:p>
             <a:fld id="{E44F3716-7E2A-144C-BF83-BF0124CABBAB}" type="datetimeFigureOut">
               <a:rPr lang="en-US" smtClean="0"/>
-              <a:t>9/3/22</a:t>
+              <a:t>9/4/22</a:t>
             </a:fld>
             <a:endParaRPr lang="en-US"/>
           </a:p>
@@ -1566,7 +1567,7 @@
           <a:p>
             <a:fld id="{E44F3716-7E2A-144C-BF83-BF0124CABBAB}" type="datetimeFigureOut">
               <a:rPr lang="en-US" smtClean="0"/>
-              <a:t>9/3/22</a:t>
+              <a:t>9/4/22</a:t>
             </a:fld>
             <a:endParaRPr lang="en-US"/>
           </a:p>
@@ -2113,7 +2114,7 @@
           <a:p>
             <a:fld id="{E44F3716-7E2A-144C-BF83-BF0124CABBAB}" type="datetimeFigureOut">
               <a:rPr lang="en-US" smtClean="0"/>
-              <a:t>9/3/22</a:t>
+              <a:t>9/4/22</a:t>
             </a:fld>
             <a:endParaRPr lang="en-US"/>
           </a:p>
@@ -2887,7 +2888,7 @@
           <a:p>
             <a:fld id="{E44F3716-7E2A-144C-BF83-BF0124CABBAB}" type="datetimeFigureOut">
               <a:rPr lang="en-US" smtClean="0"/>
-              <a:t>9/3/22</a:t>
+              <a:t>9/4/22</a:t>
             </a:fld>
             <a:endParaRPr lang="en-US"/>
           </a:p>
@@ -3062,7 +3063,7 @@
           <a:p>
             <a:fld id="{E44F3716-7E2A-144C-BF83-BF0124CABBAB}" type="datetimeFigureOut">
               <a:rPr lang="en-US" smtClean="0"/>
-              <a:t>9/3/22</a:t>
+              <a:t>9/4/22</a:t>
             </a:fld>
             <a:endParaRPr lang="en-US"/>
           </a:p>
@@ -3285,7 +3286,7 @@
           <a:p>
             <a:fld id="{E44F3716-7E2A-144C-BF83-BF0124CABBAB}" type="datetimeFigureOut">
               <a:rPr lang="en-US" smtClean="0"/>
-              <a:t>9/3/22</a:t>
+              <a:t>9/4/22</a:t>
             </a:fld>
             <a:endParaRPr lang="en-US"/>
           </a:p>
@@ -3465,7 +3466,7 @@
           <a:p>
             <a:fld id="{E44F3716-7E2A-144C-BF83-BF0124CABBAB}" type="datetimeFigureOut">
               <a:rPr lang="en-US" smtClean="0"/>
-              <a:t>9/3/22</a:t>
+              <a:t>9/4/22</a:t>
             </a:fld>
             <a:endParaRPr lang="en-US"/>
           </a:p>
@@ -3754,7 +3755,7 @@
           <a:p>
             <a:fld id="{E44F3716-7E2A-144C-BF83-BF0124CABBAB}" type="datetimeFigureOut">
               <a:rPr lang="en-US" smtClean="0"/>
-              <a:t>9/3/22</a:t>
+              <a:t>9/4/22</a:t>
             </a:fld>
             <a:endParaRPr lang="en-US"/>
           </a:p>
@@ -3996,7 +3997,7 @@
           <a:p>
             <a:fld id="{E44F3716-7E2A-144C-BF83-BF0124CABBAB}" type="datetimeFigureOut">
               <a:rPr lang="en-US" smtClean="0"/>
-              <a:t>9/3/22</a:t>
+              <a:t>9/4/22</a:t>
             </a:fld>
             <a:endParaRPr lang="en-US"/>
           </a:p>
@@ -4375,7 +4376,7 @@
           <a:p>
             <a:fld id="{E44F3716-7E2A-144C-BF83-BF0124CABBAB}" type="datetimeFigureOut">
               <a:rPr lang="en-US" smtClean="0"/>
-              <a:t>9/3/22</a:t>
+              <a:t>9/4/22</a:t>
             </a:fld>
             <a:endParaRPr lang="en-US"/>
           </a:p>
@@ -4493,7 +4494,7 @@
           <a:p>
             <a:fld id="{E44F3716-7E2A-144C-BF83-BF0124CABBAB}" type="datetimeFigureOut">
               <a:rPr lang="en-US" smtClean="0"/>
-              <a:t>9/3/22</a:t>
+              <a:t>9/4/22</a:t>
             </a:fld>
             <a:endParaRPr lang="en-US"/>
           </a:p>
@@ -4588,7 +4589,7 @@
           <a:p>
             <a:fld id="{E44F3716-7E2A-144C-BF83-BF0124CABBAB}" type="datetimeFigureOut">
               <a:rPr lang="en-US" smtClean="0"/>
-              <a:t>9/3/22</a:t>
+              <a:t>9/4/22</a:t>
             </a:fld>
             <a:endParaRPr lang="en-US"/>
           </a:p>
@@ -4837,7 +4838,7 @@
           <a:p>
             <a:fld id="{E44F3716-7E2A-144C-BF83-BF0124CABBAB}" type="datetimeFigureOut">
               <a:rPr lang="en-US" smtClean="0"/>
-              <a:t>9/3/22</a:t>
+              <a:t>9/4/22</a:t>
             </a:fld>
             <a:endParaRPr lang="en-US"/>
           </a:p>
@@ -5094,7 +5095,7 @@
           <a:p>
             <a:fld id="{E44F3716-7E2A-144C-BF83-BF0124CABBAB}" type="datetimeFigureOut">
               <a:rPr lang="en-US" smtClean="0"/>
-              <a:t>9/3/22</a:t>
+              <a:t>9/4/22</a:t>
             </a:fld>
             <a:endParaRPr lang="en-US"/>
           </a:p>
@@ -5337,7 +5338,7 @@
           <a:p>
             <a:fld id="{E44F3716-7E2A-144C-BF83-BF0124CABBAB}" type="datetimeFigureOut">
               <a:rPr lang="en-US" smtClean="0"/>
-              <a:t>9/3/22</a:t>
+              <a:t>9/4/22</a:t>
             </a:fld>
             <a:endParaRPr lang="en-US"/>
           </a:p>
@@ -6319,6 +6320,343 @@
 </p:sld>
 </file>
 
+<file path=ppt/slides/slide5.xml><?xml version="1.0" encoding="utf-8"?>
+<p:sld xmlns:a="http://schemas.openxmlformats.org/drawingml/2006/main" xmlns:r="http://schemas.openxmlformats.org/officeDocument/2006/relationships" xmlns:p="http://schemas.openxmlformats.org/presentationml/2006/main">
+  <p:cSld>
+    <p:spTree>
+      <p:nvGrpSpPr>
+        <p:cNvPr id="1" name=""/>
+        <p:cNvGrpSpPr/>
+        <p:nvPr/>
+      </p:nvGrpSpPr>
+      <p:grpSpPr>
+        <a:xfrm>
+          <a:off x="0" y="0"/>
+          <a:ext cx="0" cy="0"/>
+          <a:chOff x="0" y="0"/>
+          <a:chExt cx="0" cy="0"/>
+        </a:xfrm>
+      </p:grpSpPr>
+      <p:sp>
+        <p:nvSpPr>
+          <p:cNvPr id="6" name="Rectangle 5">
+            <a:extLst>
+              <a:ext uri="{FF2B5EF4-FFF2-40B4-BE49-F238E27FC236}">
+                <a16:creationId xmlns:a16="http://schemas.microsoft.com/office/drawing/2014/main" id="{BC70004F-8EE9-8081-BD0F-0BEE598949EC}"/>
+              </a:ext>
+            </a:extLst>
+          </p:cNvPr>
+          <p:cNvSpPr/>
+          <p:nvPr/>
+        </p:nvSpPr>
+        <p:spPr>
+          <a:xfrm>
+            <a:off x="345689" y="2788442"/>
+            <a:ext cx="9730832" cy="4069558"/>
+          </a:xfrm>
+          <a:prstGeom prst="rect">
+            <a:avLst/>
+          </a:prstGeom>
+          <a:solidFill>
+            <a:schemeClr val="tx1"/>
+          </a:solidFill>
+          <a:ln>
+            <a:solidFill>
+              <a:schemeClr val="tx1"/>
+            </a:solidFill>
+          </a:ln>
+        </p:spPr>
+        <p:style>
+          <a:lnRef idx="2">
+            <a:schemeClr val="accent1">
+              <a:shade val="50000"/>
+            </a:schemeClr>
+          </a:lnRef>
+          <a:fillRef idx="1">
+            <a:schemeClr val="accent1"/>
+          </a:fillRef>
+          <a:effectRef idx="0">
+            <a:schemeClr val="accent1"/>
+          </a:effectRef>
+          <a:fontRef idx="minor">
+            <a:schemeClr val="lt1"/>
+          </a:fontRef>
+        </p:style>
+        <p:txBody>
+          <a:bodyPr rtlCol="0" anchor="ctr"/>
+          <a:lstStyle/>
+          <a:p>
+            <a:pPr algn="ctr"/>
+            <a:endParaRPr lang="en-US"/>
+          </a:p>
+        </p:txBody>
+      </p:sp>
+      <p:sp>
+        <p:nvSpPr>
+          <p:cNvPr id="2" name="Title 1">
+            <a:extLst>
+              <a:ext uri="{FF2B5EF4-FFF2-40B4-BE49-F238E27FC236}">
+                <a16:creationId xmlns:a16="http://schemas.microsoft.com/office/drawing/2014/main" id="{C043E38B-F189-9245-2B2A-00768FFF4C2E}"/>
+              </a:ext>
+            </a:extLst>
+          </p:cNvPr>
+          <p:cNvSpPr>
+            <a:spLocks noGrp="1"/>
+          </p:cNvSpPr>
+          <p:nvPr>
+            <p:ph type="title"/>
+          </p:nvPr>
+        </p:nvSpPr>
+        <p:spPr/>
+        <p:txBody>
+          <a:bodyPr/>
+          <a:lstStyle/>
+          <a:p>
+            <a:r>
+              <a:rPr lang="en-US"/>
+              <a:t>New sim with SODAR data</a:t>
+            </a:r>
+            <a:endParaRPr lang="en-US" dirty="0"/>
+          </a:p>
+        </p:txBody>
+      </p:sp>
+      <p:pic>
+        <p:nvPicPr>
+          <p:cNvPr id="4" name="Content Placeholder 3">
+            <a:extLst>
+              <a:ext uri="{FF2B5EF4-FFF2-40B4-BE49-F238E27FC236}">
+                <a16:creationId xmlns:a16="http://schemas.microsoft.com/office/drawing/2014/main" id="{215EC173-DF7E-6882-6B7C-2B4DCEAF87BA}"/>
+              </a:ext>
+            </a:extLst>
+          </p:cNvPr>
+          <p:cNvPicPr>
+            <a:picLocks noGrp="1" noChangeAspect="1"/>
+          </p:cNvPicPr>
+          <p:nvPr>
+            <p:ph idx="1"/>
+          </p:nvPr>
+        </p:nvPicPr>
+        <p:blipFill>
+          <a:blip r:embed="rId2"/>
+          <a:stretch>
+            <a:fillRect/>
+          </a:stretch>
+        </p:blipFill>
+        <p:spPr>
+          <a:xfrm>
+            <a:off x="345688" y="2788443"/>
+            <a:ext cx="4838219" cy="4024313"/>
+          </a:xfrm>
+          <a:prstGeom prst="rect">
+            <a:avLst/>
+          </a:prstGeom>
+        </p:spPr>
+      </p:pic>
+      <p:pic>
+        <p:nvPicPr>
+          <p:cNvPr id="5" name="Picture 4">
+            <a:extLst>
+              <a:ext uri="{FF2B5EF4-FFF2-40B4-BE49-F238E27FC236}">
+                <a16:creationId xmlns:a16="http://schemas.microsoft.com/office/drawing/2014/main" id="{459422E9-C69D-0AD7-E87E-7B0EF7DD6D10}"/>
+              </a:ext>
+            </a:extLst>
+          </p:cNvPr>
+          <p:cNvPicPr>
+            <a:picLocks noChangeAspect="1"/>
+          </p:cNvPicPr>
+          <p:nvPr/>
+        </p:nvPicPr>
+        <p:blipFill>
+          <a:blip r:embed="rId3"/>
+          <a:stretch>
+            <a:fillRect/>
+          </a:stretch>
+        </p:blipFill>
+        <p:spPr>
+          <a:xfrm>
+            <a:off x="5183907" y="2788443"/>
+            <a:ext cx="4892613" cy="4069557"/>
+          </a:xfrm>
+          <a:prstGeom prst="rect">
+            <a:avLst/>
+          </a:prstGeom>
+        </p:spPr>
+      </p:pic>
+      <p:sp>
+        <p:nvSpPr>
+          <p:cNvPr id="7" name="Rectangle 6">
+            <a:extLst>
+              <a:ext uri="{FF2B5EF4-FFF2-40B4-BE49-F238E27FC236}">
+                <a16:creationId xmlns:a16="http://schemas.microsoft.com/office/drawing/2014/main" id="{74868886-C88A-3893-A33D-59081CAB4393}"/>
+              </a:ext>
+            </a:extLst>
+          </p:cNvPr>
+          <p:cNvSpPr/>
+          <p:nvPr/>
+        </p:nvSpPr>
+        <p:spPr>
+          <a:xfrm>
+            <a:off x="7691173" y="5468983"/>
+            <a:ext cx="992777" cy="148046"/>
+          </a:xfrm>
+          <a:prstGeom prst="rect">
+            <a:avLst/>
+          </a:prstGeom>
+          <a:solidFill>
+            <a:schemeClr val="tx1"/>
+          </a:solidFill>
+          <a:ln>
+            <a:solidFill>
+              <a:schemeClr val="tx1"/>
+            </a:solidFill>
+          </a:ln>
+        </p:spPr>
+        <p:style>
+          <a:lnRef idx="2">
+            <a:schemeClr val="accent1">
+              <a:shade val="50000"/>
+            </a:schemeClr>
+          </a:lnRef>
+          <a:fillRef idx="1">
+            <a:schemeClr val="accent1"/>
+          </a:fillRef>
+          <a:effectRef idx="0">
+            <a:schemeClr val="accent1"/>
+          </a:effectRef>
+          <a:fontRef idx="minor">
+            <a:schemeClr val="lt1"/>
+          </a:fontRef>
+        </p:style>
+        <p:txBody>
+          <a:bodyPr rtlCol="0" anchor="ctr"/>
+          <a:lstStyle/>
+          <a:p>
+            <a:pPr algn="ctr"/>
+            <a:endParaRPr lang="en-US"/>
+          </a:p>
+        </p:txBody>
+      </p:sp>
+      <p:sp>
+        <p:nvSpPr>
+          <p:cNvPr id="10" name="Rectangle 9">
+            <a:extLst>
+              <a:ext uri="{FF2B5EF4-FFF2-40B4-BE49-F238E27FC236}">
+                <a16:creationId xmlns:a16="http://schemas.microsoft.com/office/drawing/2014/main" id="{156E26B3-1304-DE56-3257-7E11FEFC5D06}"/>
+              </a:ext>
+            </a:extLst>
+          </p:cNvPr>
+          <p:cNvSpPr/>
+          <p:nvPr/>
+        </p:nvSpPr>
+        <p:spPr>
+          <a:xfrm>
+            <a:off x="7691173" y="2788440"/>
+            <a:ext cx="992777" cy="117195"/>
+          </a:xfrm>
+          <a:prstGeom prst="rect">
+            <a:avLst/>
+          </a:prstGeom>
+          <a:solidFill>
+            <a:schemeClr val="tx1"/>
+          </a:solidFill>
+          <a:ln>
+            <a:solidFill>
+              <a:schemeClr val="tx1"/>
+            </a:solidFill>
+          </a:ln>
+        </p:spPr>
+        <p:style>
+          <a:lnRef idx="2">
+            <a:schemeClr val="accent1">
+              <a:shade val="50000"/>
+            </a:schemeClr>
+          </a:lnRef>
+          <a:fillRef idx="1">
+            <a:schemeClr val="accent1"/>
+          </a:fillRef>
+          <a:effectRef idx="0">
+            <a:schemeClr val="accent1"/>
+          </a:effectRef>
+          <a:fontRef idx="minor">
+            <a:schemeClr val="lt1"/>
+          </a:fontRef>
+        </p:style>
+        <p:txBody>
+          <a:bodyPr rtlCol="0" anchor="ctr"/>
+          <a:lstStyle/>
+          <a:p>
+            <a:pPr algn="ctr"/>
+            <a:endParaRPr lang="en-US"/>
+          </a:p>
+        </p:txBody>
+      </p:sp>
+      <p:sp>
+        <p:nvSpPr>
+          <p:cNvPr id="17" name="Rectangle 16">
+            <a:extLst>
+              <a:ext uri="{FF2B5EF4-FFF2-40B4-BE49-F238E27FC236}">
+                <a16:creationId xmlns:a16="http://schemas.microsoft.com/office/drawing/2014/main" id="{CA0C6102-AD81-7B42-83AF-704679D0507F}"/>
+              </a:ext>
+            </a:extLst>
+          </p:cNvPr>
+          <p:cNvSpPr/>
+          <p:nvPr/>
+        </p:nvSpPr>
+        <p:spPr>
+          <a:xfrm>
+            <a:off x="7691173" y="4130890"/>
+            <a:ext cx="992777" cy="148046"/>
+          </a:xfrm>
+          <a:prstGeom prst="rect">
+            <a:avLst/>
+          </a:prstGeom>
+          <a:solidFill>
+            <a:schemeClr val="tx1"/>
+          </a:solidFill>
+          <a:ln>
+            <a:solidFill>
+              <a:schemeClr val="tx1"/>
+            </a:solidFill>
+          </a:ln>
+        </p:spPr>
+        <p:style>
+          <a:lnRef idx="2">
+            <a:schemeClr val="accent1">
+              <a:shade val="50000"/>
+            </a:schemeClr>
+          </a:lnRef>
+          <a:fillRef idx="1">
+            <a:schemeClr val="accent1"/>
+          </a:fillRef>
+          <a:effectRef idx="0">
+            <a:schemeClr val="accent1"/>
+          </a:effectRef>
+          <a:fontRef idx="minor">
+            <a:schemeClr val="lt1"/>
+          </a:fontRef>
+        </p:style>
+        <p:txBody>
+          <a:bodyPr rtlCol="0" anchor="ctr"/>
+          <a:lstStyle/>
+          <a:p>
+            <a:pPr algn="ctr"/>
+            <a:endParaRPr lang="en-US"/>
+          </a:p>
+        </p:txBody>
+      </p:sp>
+    </p:spTree>
+    <p:extLst>
+      <p:ext uri="{BB962C8B-B14F-4D97-AF65-F5344CB8AC3E}">
+        <p14:creationId xmlns:p14="http://schemas.microsoft.com/office/powerpoint/2010/main" val="1575160991"/>
+      </p:ext>
+    </p:extLst>
+  </p:cSld>
+  <p:clrMapOvr>
+    <a:masterClrMapping/>
+  </p:clrMapOvr>
+</p:sld>
+</file>
+
 <file path=ppt/theme/theme1.xml><?xml version="1.0" encoding="utf-8"?>
 <a:theme xmlns:a="http://schemas.openxmlformats.org/drawingml/2006/main" name="Vapor Trail">
   <a:themeElements>

--- a/weekly_meetings/09092022_Presentation.pptx
+++ b/weekly_meetings/09092022_Presentation.pptx
@@ -10,6 +10,9 @@
     <p:sldId id="258" r:id="rId4"/>
     <p:sldId id="261" r:id="rId5"/>
     <p:sldId id="262" r:id="rId6"/>
+    <p:sldId id="263" r:id="rId7"/>
+    <p:sldId id="264" r:id="rId8"/>
+    <p:sldId id="266" r:id="rId9"/>
   </p:sldIdLst>
   <p:sldSz cx="12192000" cy="6858000"/>
   <p:notesSz cx="6858000" cy="9144000"/>
@@ -286,7 +289,7 @@
           <a:p>
             <a:fld id="{E44F3716-7E2A-144C-BF83-BF0124CABBAB}" type="datetimeFigureOut">
               <a:rPr lang="en-US" smtClean="0"/>
-              <a:t>9/4/22</a:t>
+              <a:t>9/7/22</a:t>
             </a:fld>
             <a:endParaRPr lang="en-US"/>
           </a:p>
@@ -553,7 +556,7 @@
           <a:p>
             <a:fld id="{E44F3716-7E2A-144C-BF83-BF0124CABBAB}" type="datetimeFigureOut">
               <a:rPr lang="en-US" smtClean="0"/>
-              <a:t>9/4/22</a:t>
+              <a:t>9/7/22</a:t>
             </a:fld>
             <a:endParaRPr lang="en-US"/>
           </a:p>
@@ -784,7 +787,7 @@
           <a:p>
             <a:fld id="{E44F3716-7E2A-144C-BF83-BF0124CABBAB}" type="datetimeFigureOut">
               <a:rPr lang="en-US" smtClean="0"/>
-              <a:t>9/4/22</a:t>
+              <a:t>9/7/22</a:t>
             </a:fld>
             <a:endParaRPr lang="en-US"/>
           </a:p>
@@ -1094,7 +1097,7 @@
           <a:p>
             <a:fld id="{E44F3716-7E2A-144C-BF83-BF0124CABBAB}" type="datetimeFigureOut">
               <a:rPr lang="en-US" smtClean="0"/>
-              <a:t>9/4/22</a:t>
+              <a:t>9/7/22</a:t>
             </a:fld>
             <a:endParaRPr lang="en-US"/>
           </a:p>
@@ -1567,7 +1570,7 @@
           <a:p>
             <a:fld id="{E44F3716-7E2A-144C-BF83-BF0124CABBAB}" type="datetimeFigureOut">
               <a:rPr lang="en-US" smtClean="0"/>
-              <a:t>9/4/22</a:t>
+              <a:t>9/7/22</a:t>
             </a:fld>
             <a:endParaRPr lang="en-US"/>
           </a:p>
@@ -2114,7 +2117,7 @@
           <a:p>
             <a:fld id="{E44F3716-7E2A-144C-BF83-BF0124CABBAB}" type="datetimeFigureOut">
               <a:rPr lang="en-US" smtClean="0"/>
-              <a:t>9/4/22</a:t>
+              <a:t>9/7/22</a:t>
             </a:fld>
             <a:endParaRPr lang="en-US"/>
           </a:p>
@@ -2888,7 +2891,7 @@
           <a:p>
             <a:fld id="{E44F3716-7E2A-144C-BF83-BF0124CABBAB}" type="datetimeFigureOut">
               <a:rPr lang="en-US" smtClean="0"/>
-              <a:t>9/4/22</a:t>
+              <a:t>9/7/22</a:t>
             </a:fld>
             <a:endParaRPr lang="en-US"/>
           </a:p>
@@ -3063,7 +3066,7 @@
           <a:p>
             <a:fld id="{E44F3716-7E2A-144C-BF83-BF0124CABBAB}" type="datetimeFigureOut">
               <a:rPr lang="en-US" smtClean="0"/>
-              <a:t>9/4/22</a:t>
+              <a:t>9/7/22</a:t>
             </a:fld>
             <a:endParaRPr lang="en-US"/>
           </a:p>
@@ -3286,7 +3289,7 @@
           <a:p>
             <a:fld id="{E44F3716-7E2A-144C-BF83-BF0124CABBAB}" type="datetimeFigureOut">
               <a:rPr lang="en-US" smtClean="0"/>
-              <a:t>9/4/22</a:t>
+              <a:t>9/7/22</a:t>
             </a:fld>
             <a:endParaRPr lang="en-US"/>
           </a:p>
@@ -3466,7 +3469,7 @@
           <a:p>
             <a:fld id="{E44F3716-7E2A-144C-BF83-BF0124CABBAB}" type="datetimeFigureOut">
               <a:rPr lang="en-US" smtClean="0"/>
-              <a:t>9/4/22</a:t>
+              <a:t>9/7/22</a:t>
             </a:fld>
             <a:endParaRPr lang="en-US"/>
           </a:p>
@@ -3755,7 +3758,7 @@
           <a:p>
             <a:fld id="{E44F3716-7E2A-144C-BF83-BF0124CABBAB}" type="datetimeFigureOut">
               <a:rPr lang="en-US" smtClean="0"/>
-              <a:t>9/4/22</a:t>
+              <a:t>9/7/22</a:t>
             </a:fld>
             <a:endParaRPr lang="en-US"/>
           </a:p>
@@ -3997,7 +4000,7 @@
           <a:p>
             <a:fld id="{E44F3716-7E2A-144C-BF83-BF0124CABBAB}" type="datetimeFigureOut">
               <a:rPr lang="en-US" smtClean="0"/>
-              <a:t>9/4/22</a:t>
+              <a:t>9/7/22</a:t>
             </a:fld>
             <a:endParaRPr lang="en-US"/>
           </a:p>
@@ -4376,7 +4379,7 @@
           <a:p>
             <a:fld id="{E44F3716-7E2A-144C-BF83-BF0124CABBAB}" type="datetimeFigureOut">
               <a:rPr lang="en-US" smtClean="0"/>
-              <a:t>9/4/22</a:t>
+              <a:t>9/7/22</a:t>
             </a:fld>
             <a:endParaRPr lang="en-US"/>
           </a:p>
@@ -4494,7 +4497,7 @@
           <a:p>
             <a:fld id="{E44F3716-7E2A-144C-BF83-BF0124CABBAB}" type="datetimeFigureOut">
               <a:rPr lang="en-US" smtClean="0"/>
-              <a:t>9/4/22</a:t>
+              <a:t>9/7/22</a:t>
             </a:fld>
             <a:endParaRPr lang="en-US"/>
           </a:p>
@@ -4589,7 +4592,7 @@
           <a:p>
             <a:fld id="{E44F3716-7E2A-144C-BF83-BF0124CABBAB}" type="datetimeFigureOut">
               <a:rPr lang="en-US" smtClean="0"/>
-              <a:t>9/4/22</a:t>
+              <a:t>9/7/22</a:t>
             </a:fld>
             <a:endParaRPr lang="en-US"/>
           </a:p>
@@ -4838,7 +4841,7 @@
           <a:p>
             <a:fld id="{E44F3716-7E2A-144C-BF83-BF0124CABBAB}" type="datetimeFigureOut">
               <a:rPr lang="en-US" smtClean="0"/>
-              <a:t>9/4/22</a:t>
+              <a:t>9/7/22</a:t>
             </a:fld>
             <a:endParaRPr lang="en-US"/>
           </a:p>
@@ -5095,7 +5098,7 @@
           <a:p>
             <a:fld id="{E44F3716-7E2A-144C-BF83-BF0124CABBAB}" type="datetimeFigureOut">
               <a:rPr lang="en-US" smtClean="0"/>
-              <a:t>9/4/22</a:t>
+              <a:t>9/7/22</a:t>
             </a:fld>
             <a:endParaRPr lang="en-US"/>
           </a:p>
@@ -5338,7 +5341,7 @@
           <a:p>
             <a:fld id="{E44F3716-7E2A-144C-BF83-BF0124CABBAB}" type="datetimeFigureOut">
               <a:rPr lang="en-US" smtClean="0"/>
-              <a:t>9/4/22</a:t>
+              <a:t>9/7/22</a:t>
             </a:fld>
             <a:endParaRPr lang="en-US"/>
           </a:p>
@@ -5993,9 +5996,10 @@
               <a:t>Balbi</a:t>
             </a:r>
             <a:r>
-              <a:rPr lang="en-US" dirty="0"/>
-              <a:t> paper if Dr. Kochanski wants me to</a:t>
-            </a:r>
+              <a:rPr lang="en-US"/>
+              <a:t> paper</a:t>
+            </a:r>
+            <a:endParaRPr lang="en-US" dirty="0"/>
           </a:p>
           <a:p>
             <a:r>
@@ -6648,6 +6652,448 @@
     <p:extLst>
       <p:ext uri="{BB962C8B-B14F-4D97-AF65-F5344CB8AC3E}">
         <p14:creationId xmlns:p14="http://schemas.microsoft.com/office/powerpoint/2010/main" val="1575160991"/>
+      </p:ext>
+    </p:extLst>
+  </p:cSld>
+  <p:clrMapOvr>
+    <a:masterClrMapping/>
+  </p:clrMapOvr>
+</p:sld>
+</file>
+
+<file path=ppt/slides/slide6.xml><?xml version="1.0" encoding="utf-8"?>
+<p:sld xmlns:a="http://schemas.openxmlformats.org/drawingml/2006/main" xmlns:r="http://schemas.openxmlformats.org/officeDocument/2006/relationships" xmlns:p="http://schemas.openxmlformats.org/presentationml/2006/main">
+  <p:cSld>
+    <p:spTree>
+      <p:nvGrpSpPr>
+        <p:cNvPr id="1" name=""/>
+        <p:cNvGrpSpPr/>
+        <p:nvPr/>
+      </p:nvGrpSpPr>
+      <p:grpSpPr>
+        <a:xfrm>
+          <a:off x="0" y="0"/>
+          <a:ext cx="0" cy="0"/>
+          <a:chOff x="0" y="0"/>
+          <a:chExt cx="0" cy="0"/>
+        </a:xfrm>
+      </p:grpSpPr>
+      <p:sp>
+        <p:nvSpPr>
+          <p:cNvPr id="2" name="Title 1">
+            <a:extLst>
+              <a:ext uri="{FF2B5EF4-FFF2-40B4-BE49-F238E27FC236}">
+                <a16:creationId xmlns:a16="http://schemas.microsoft.com/office/drawing/2014/main" id="{E5122D9F-C496-43EA-706A-26D1E93BF485}"/>
+              </a:ext>
+            </a:extLst>
+          </p:cNvPr>
+          <p:cNvSpPr>
+            <a:spLocks noGrp="1"/>
+          </p:cNvSpPr>
+          <p:nvPr>
+            <p:ph type="title"/>
+          </p:nvPr>
+        </p:nvSpPr>
+        <p:spPr/>
+        <p:txBody>
+          <a:bodyPr/>
+          <a:lstStyle/>
+          <a:p>
+            <a:r>
+              <a:rPr lang="en-US" dirty="0"/>
+              <a:t>Smoothing out sodar data</a:t>
+            </a:r>
+          </a:p>
+        </p:txBody>
+      </p:sp>
+      <p:sp>
+        <p:nvSpPr>
+          <p:cNvPr id="3" name="Content Placeholder 2">
+            <a:extLst>
+              <a:ext uri="{FF2B5EF4-FFF2-40B4-BE49-F238E27FC236}">
+                <a16:creationId xmlns:a16="http://schemas.microsoft.com/office/drawing/2014/main" id="{B7ABC8AB-0C69-4369-EEED-39D029213767}"/>
+              </a:ext>
+            </a:extLst>
+          </p:cNvPr>
+          <p:cNvSpPr>
+            <a:spLocks noGrp="1"/>
+          </p:cNvSpPr>
+          <p:nvPr>
+            <p:ph idx="1"/>
+          </p:nvPr>
+        </p:nvSpPr>
+        <p:spPr/>
+        <p:txBody>
+          <a:bodyPr/>
+          <a:lstStyle/>
+          <a:p>
+            <a:r>
+              <a:rPr lang="en-US" dirty="0"/>
+              <a:t>In the </a:t>
+            </a:r>
+            <a:r>
+              <a:rPr lang="en-US" dirty="0" err="1"/>
+              <a:t>input_sounding</a:t>
+            </a:r>
+            <a:r>
+              <a:rPr lang="en-US" dirty="0"/>
+              <a:t>, the SODAR data had a few rough spots where the wind speeds changed rapidly with height</a:t>
+            </a:r>
+          </a:p>
+        </p:txBody>
+      </p:sp>
+      <p:pic>
+        <p:nvPicPr>
+          <p:cNvPr id="1026" name="Picture 2">
+            <a:extLst>
+              <a:ext uri="{FF2B5EF4-FFF2-40B4-BE49-F238E27FC236}">
+                <a16:creationId xmlns:a16="http://schemas.microsoft.com/office/drawing/2014/main" id="{6AF30601-0D67-61AB-F2B6-24F536F10D89}"/>
+              </a:ext>
+            </a:extLst>
+          </p:cNvPr>
+          <p:cNvPicPr>
+            <a:picLocks noChangeAspect="1" noChangeArrowheads="1"/>
+          </p:cNvPicPr>
+          <p:nvPr/>
+        </p:nvPicPr>
+        <p:blipFill>
+          <a:blip r:embed="rId2">
+            <a:extLst>
+              <a:ext uri="{28A0092B-C50C-407E-A947-70E740481C1C}">
+                <a14:useLocalDpi xmlns:a14="http://schemas.microsoft.com/office/drawing/2010/main" val="0"/>
+              </a:ext>
+            </a:extLst>
+          </a:blip>
+          <a:srcRect/>
+          <a:stretch>
+            <a:fillRect/>
+          </a:stretch>
+        </p:blipFill>
+        <p:spPr bwMode="auto">
+          <a:xfrm>
+            <a:off x="5196054" y="3227942"/>
+            <a:ext cx="6995946" cy="3630058"/>
+          </a:xfrm>
+          <a:prstGeom prst="rect">
+            <a:avLst/>
+          </a:prstGeom>
+          <a:noFill/>
+          <a:extLst>
+            <a:ext uri="{909E8E84-426E-40DD-AFC4-6F175D3DCCD1}">
+              <a14:hiddenFill xmlns:a14="http://schemas.microsoft.com/office/drawing/2010/main">
+                <a:solidFill>
+                  <a:srgbClr val="FFFFFF"/>
+                </a:solidFill>
+              </a14:hiddenFill>
+            </a:ext>
+          </a:extLst>
+        </p:spPr>
+      </p:pic>
+      <p:pic>
+        <p:nvPicPr>
+          <p:cNvPr id="1030" name="Picture 6">
+            <a:extLst>
+              <a:ext uri="{FF2B5EF4-FFF2-40B4-BE49-F238E27FC236}">
+                <a16:creationId xmlns:a16="http://schemas.microsoft.com/office/drawing/2014/main" id="{4365EBCE-A944-EA3E-694A-0226129144A0}"/>
+              </a:ext>
+            </a:extLst>
+          </p:cNvPr>
+          <p:cNvPicPr>
+            <a:picLocks noChangeAspect="1" noChangeArrowheads="1"/>
+          </p:cNvPicPr>
+          <p:nvPr/>
+        </p:nvPicPr>
+        <p:blipFill>
+          <a:blip r:embed="rId3">
+            <a:extLst>
+              <a:ext uri="{28A0092B-C50C-407E-A947-70E740481C1C}">
+                <a14:useLocalDpi xmlns:a14="http://schemas.microsoft.com/office/drawing/2010/main" val="0"/>
+              </a:ext>
+            </a:extLst>
+          </a:blip>
+          <a:srcRect/>
+          <a:stretch>
+            <a:fillRect/>
+          </a:stretch>
+        </p:blipFill>
+        <p:spPr bwMode="auto">
+          <a:xfrm>
+            <a:off x="0" y="3040657"/>
+            <a:ext cx="5089793" cy="3817344"/>
+          </a:xfrm>
+          <a:prstGeom prst="rect">
+            <a:avLst/>
+          </a:prstGeom>
+          <a:noFill/>
+          <a:extLst>
+            <a:ext uri="{909E8E84-426E-40DD-AFC4-6F175D3DCCD1}">
+              <a14:hiddenFill xmlns:a14="http://schemas.microsoft.com/office/drawing/2010/main">
+                <a:solidFill>
+                  <a:srgbClr val="FFFFFF"/>
+                </a:solidFill>
+              </a14:hiddenFill>
+            </a:ext>
+          </a:extLst>
+        </p:spPr>
+      </p:pic>
+    </p:spTree>
+    <p:extLst>
+      <p:ext uri="{BB962C8B-B14F-4D97-AF65-F5344CB8AC3E}">
+        <p14:creationId xmlns:p14="http://schemas.microsoft.com/office/powerpoint/2010/main" val="3635306511"/>
+      </p:ext>
+    </p:extLst>
+  </p:cSld>
+  <p:clrMapOvr>
+    <a:masterClrMapping/>
+  </p:clrMapOvr>
+</p:sld>
+</file>
+
+<file path=ppt/slides/slide7.xml><?xml version="1.0" encoding="utf-8"?>
+<p:sld xmlns:a="http://schemas.openxmlformats.org/drawingml/2006/main" xmlns:r="http://schemas.openxmlformats.org/officeDocument/2006/relationships" xmlns:p="http://schemas.openxmlformats.org/presentationml/2006/main">
+  <p:cSld>
+    <p:spTree>
+      <p:nvGrpSpPr>
+        <p:cNvPr id="1" name=""/>
+        <p:cNvGrpSpPr/>
+        <p:nvPr/>
+      </p:nvGrpSpPr>
+      <p:grpSpPr>
+        <a:xfrm>
+          <a:off x="0" y="0"/>
+          <a:ext cx="0" cy="0"/>
+          <a:chOff x="0" y="0"/>
+          <a:chExt cx="0" cy="0"/>
+        </a:xfrm>
+      </p:grpSpPr>
+      <p:sp>
+        <p:nvSpPr>
+          <p:cNvPr id="2" name="Title 1">
+            <a:extLst>
+              <a:ext uri="{FF2B5EF4-FFF2-40B4-BE49-F238E27FC236}">
+                <a16:creationId xmlns:a16="http://schemas.microsoft.com/office/drawing/2014/main" id="{0A43775F-FCD7-863B-D331-153AC34EE6D5}"/>
+              </a:ext>
+            </a:extLst>
+          </p:cNvPr>
+          <p:cNvSpPr>
+            <a:spLocks noGrp="1"/>
+          </p:cNvSpPr>
+          <p:nvPr>
+            <p:ph type="title"/>
+          </p:nvPr>
+        </p:nvSpPr>
+        <p:spPr>
+          <a:xfrm>
+            <a:off x="685800" y="764373"/>
+            <a:ext cx="10820400" cy="1293028"/>
+          </a:xfrm>
+        </p:spPr>
+        <p:txBody>
+          <a:bodyPr/>
+          <a:lstStyle/>
+          <a:p>
+            <a:r>
+              <a:rPr lang="en-US" dirty="0"/>
+              <a:t>Simulation with modified sodar data</a:t>
+            </a:r>
+          </a:p>
+        </p:txBody>
+      </p:sp>
+      <p:sp>
+        <p:nvSpPr>
+          <p:cNvPr id="3" name="Content Placeholder 2">
+            <a:extLst>
+              <a:ext uri="{FF2B5EF4-FFF2-40B4-BE49-F238E27FC236}">
+                <a16:creationId xmlns:a16="http://schemas.microsoft.com/office/drawing/2014/main" id="{D3694422-BE05-0AB6-6244-01C9C630724C}"/>
+              </a:ext>
+            </a:extLst>
+          </p:cNvPr>
+          <p:cNvSpPr>
+            <a:spLocks noGrp="1"/>
+          </p:cNvSpPr>
+          <p:nvPr>
+            <p:ph idx="1"/>
+          </p:nvPr>
+        </p:nvSpPr>
+        <p:spPr/>
+        <p:txBody>
+          <a:bodyPr/>
+          <a:lstStyle/>
+          <a:p>
+            <a:r>
+              <a:rPr lang="en-US" dirty="0"/>
+              <a:t>With the new smoothed out SODAR data, I ran another simulation and this simulation is by far the best simulation we currently have</a:t>
+            </a:r>
+          </a:p>
+          <a:p>
+            <a:r>
+              <a:rPr lang="en-US" dirty="0"/>
+              <a:t>I’m still not satisfied with the 18.89m winds as they still increase with time, but the graph is much smoother, and the change isn’t as drastic as the previous simulations</a:t>
+            </a:r>
+          </a:p>
+        </p:txBody>
+      </p:sp>
+    </p:spTree>
+    <p:extLst>
+      <p:ext uri="{BB962C8B-B14F-4D97-AF65-F5344CB8AC3E}">
+        <p14:creationId xmlns:p14="http://schemas.microsoft.com/office/powerpoint/2010/main" val="4213755830"/>
+      </p:ext>
+    </p:extLst>
+  </p:cSld>
+  <p:clrMapOvr>
+    <a:masterClrMapping/>
+  </p:clrMapOvr>
+</p:sld>
+</file>
+
+<file path=ppt/slides/slide8.xml><?xml version="1.0" encoding="utf-8"?>
+<p:sld xmlns:a="http://schemas.openxmlformats.org/drawingml/2006/main" xmlns:r="http://schemas.openxmlformats.org/officeDocument/2006/relationships" xmlns:p="http://schemas.openxmlformats.org/presentationml/2006/main">
+  <p:cSld>
+    <p:spTree>
+      <p:nvGrpSpPr>
+        <p:cNvPr id="1" name=""/>
+        <p:cNvGrpSpPr/>
+        <p:nvPr/>
+      </p:nvGrpSpPr>
+      <p:grpSpPr>
+        <a:xfrm>
+          <a:off x="0" y="0"/>
+          <a:ext cx="0" cy="0"/>
+          <a:chOff x="0" y="0"/>
+          <a:chExt cx="0" cy="0"/>
+        </a:xfrm>
+      </p:grpSpPr>
+      <p:sp>
+        <p:nvSpPr>
+          <p:cNvPr id="2" name="Title 1">
+            <a:extLst>
+              <a:ext uri="{FF2B5EF4-FFF2-40B4-BE49-F238E27FC236}">
+                <a16:creationId xmlns:a16="http://schemas.microsoft.com/office/drawing/2014/main" id="{D2961721-75F0-A13D-A45E-01087B441497}"/>
+              </a:ext>
+            </a:extLst>
+          </p:cNvPr>
+          <p:cNvSpPr>
+            <a:spLocks noGrp="1"/>
+          </p:cNvSpPr>
+          <p:nvPr>
+            <p:ph type="title"/>
+          </p:nvPr>
+        </p:nvSpPr>
+        <p:spPr>
+          <a:xfrm>
+            <a:off x="980501" y="764373"/>
+            <a:ext cx="10525699" cy="1293028"/>
+          </a:xfrm>
+        </p:spPr>
+        <p:txBody>
+          <a:bodyPr/>
+          <a:lstStyle/>
+          <a:p>
+            <a:r>
+              <a:rPr lang="en-US" dirty="0"/>
+              <a:t>Simulation with modified sodar data</a:t>
+            </a:r>
+          </a:p>
+        </p:txBody>
+      </p:sp>
+      <p:pic>
+        <p:nvPicPr>
+          <p:cNvPr id="3" name="Picture 8">
+            <a:extLst>
+              <a:ext uri="{FF2B5EF4-FFF2-40B4-BE49-F238E27FC236}">
+                <a16:creationId xmlns:a16="http://schemas.microsoft.com/office/drawing/2014/main" id="{9DAE8DA7-879A-EBAA-D42C-AD9FA143940F}"/>
+              </a:ext>
+            </a:extLst>
+          </p:cNvPr>
+          <p:cNvPicPr>
+            <a:picLocks noChangeAspect="1" noChangeArrowheads="1"/>
+          </p:cNvPicPr>
+          <p:nvPr/>
+        </p:nvPicPr>
+        <p:blipFill>
+          <a:blip r:embed="rId2">
+            <a:extLst>
+              <a:ext uri="{28A0092B-C50C-407E-A947-70E740481C1C}">
+                <a14:useLocalDpi xmlns:a14="http://schemas.microsoft.com/office/drawing/2010/main" val="0"/>
+              </a:ext>
+            </a:extLst>
+          </a:blip>
+          <a:srcRect/>
+          <a:stretch>
+            <a:fillRect/>
+          </a:stretch>
+        </p:blipFill>
+        <p:spPr bwMode="auto">
+          <a:xfrm>
+            <a:off x="284600" y="2203372"/>
+            <a:ext cx="5585554" cy="4654628"/>
+          </a:xfrm>
+          <a:prstGeom prst="rect">
+            <a:avLst/>
+          </a:prstGeom>
+          <a:noFill/>
+          <a:extLst>
+            <a:ext uri="{909E8E84-426E-40DD-AFC4-6F175D3DCCD1}">
+              <a14:hiddenFill xmlns:a14="http://schemas.microsoft.com/office/drawing/2010/main">
+                <a:solidFill>
+                  <a:srgbClr val="FFFFFF"/>
+                </a:solidFill>
+              </a14:hiddenFill>
+            </a:ext>
+          </a:extLst>
+        </p:spPr>
+      </p:pic>
+      <p:pic>
+        <p:nvPicPr>
+          <p:cNvPr id="4" name="Picture 2">
+            <a:extLst>
+              <a:ext uri="{FF2B5EF4-FFF2-40B4-BE49-F238E27FC236}">
+                <a16:creationId xmlns:a16="http://schemas.microsoft.com/office/drawing/2014/main" id="{84A63CFE-E691-3302-29FD-FA43F3287507}"/>
+              </a:ext>
+            </a:extLst>
+          </p:cNvPr>
+          <p:cNvPicPr>
+            <a:picLocks noChangeAspect="1" noChangeArrowheads="1"/>
+          </p:cNvPicPr>
+          <p:nvPr/>
+        </p:nvPicPr>
+        <p:blipFill>
+          <a:blip r:embed="rId3">
+            <a:extLst>
+              <a:ext uri="{28A0092B-C50C-407E-A947-70E740481C1C}">
+                <a14:useLocalDpi xmlns:a14="http://schemas.microsoft.com/office/drawing/2010/main" val="0"/>
+              </a:ext>
+            </a:extLst>
+          </a:blip>
+          <a:srcRect/>
+          <a:stretch>
+            <a:fillRect/>
+          </a:stretch>
+        </p:blipFill>
+        <p:spPr bwMode="auto">
+          <a:xfrm>
+            <a:off x="6321848" y="2203373"/>
+            <a:ext cx="5593095" cy="4654627"/>
+          </a:xfrm>
+          <a:prstGeom prst="rect">
+            <a:avLst/>
+          </a:prstGeom>
+          <a:noFill/>
+          <a:extLst>
+            <a:ext uri="{909E8E84-426E-40DD-AFC4-6F175D3DCCD1}">
+              <a14:hiddenFill xmlns:a14="http://schemas.microsoft.com/office/drawing/2010/main">
+                <a:solidFill>
+                  <a:srgbClr val="FFFFFF"/>
+                </a:solidFill>
+              </a14:hiddenFill>
+            </a:ext>
+          </a:extLst>
+        </p:spPr>
+      </p:pic>
+    </p:spTree>
+    <p:extLst>
+      <p:ext uri="{BB962C8B-B14F-4D97-AF65-F5344CB8AC3E}">
+        <p14:creationId xmlns:p14="http://schemas.microsoft.com/office/powerpoint/2010/main" val="28958608"/>
       </p:ext>
     </p:extLst>
   </p:cSld>

--- a/weekly_meetings/09092022_Presentation.pptx
+++ b/weekly_meetings/09092022_Presentation.pptx
@@ -13,6 +13,8 @@
     <p:sldId id="263" r:id="rId7"/>
     <p:sldId id="264" r:id="rId8"/>
     <p:sldId id="266" r:id="rId9"/>
+    <p:sldId id="267" r:id="rId10"/>
+    <p:sldId id="268" r:id="rId11"/>
   </p:sldIdLst>
   <p:sldSz cx="12192000" cy="6858000"/>
   <p:notesSz cx="6858000" cy="9144000"/>
@@ -119,6 +121,1290 @@
 </p:presentation>
 </file>
 
+<file path=ppt/charts/chart1.xml><?xml version="1.0" encoding="utf-8"?>
+<c:chartSpace xmlns:c="http://schemas.openxmlformats.org/drawingml/2006/chart" xmlns:a="http://schemas.openxmlformats.org/drawingml/2006/main" xmlns:r="http://schemas.openxmlformats.org/officeDocument/2006/relationships" xmlns:c16r2="http://schemas.microsoft.com/office/drawing/2015/06/chart">
+  <c:date1904 val="0"/>
+  <c:lang val="en-US"/>
+  <c:roundedCorners val="0"/>
+  <mc:AlternateContent xmlns:mc="http://schemas.openxmlformats.org/markup-compatibility/2006">
+    <mc:Choice xmlns:c14="http://schemas.microsoft.com/office/drawing/2007/8/2/chart" Requires="c14">
+      <c14:style val="102"/>
+    </mc:Choice>
+    <mc:Fallback>
+      <c:style val="2"/>
+    </mc:Fallback>
+  </mc:AlternateContent>
+  <c:chart>
+    <c:title>
+      <c:tx>
+        <c:rich>
+          <a:bodyPr rot="0" spcFirstLastPara="1" vertOverflow="ellipsis" vert="horz" wrap="square" anchor="ctr" anchorCtr="1"/>
+          <a:lstStyle/>
+          <a:p>
+            <a:pPr>
+              <a:defRPr sz="1400" b="0" i="0" u="none" strike="noStrike" kern="1200" spc="0" baseline="0">
+                <a:solidFill>
+                  <a:schemeClr val="tx1">
+                    <a:lumMod val="65000"/>
+                    <a:lumOff val="35000"/>
+                  </a:schemeClr>
+                </a:solidFill>
+                <a:latin typeface="Times New Roman" panose="02020603050405020304" pitchFamily="18" charset="0"/>
+                <a:ea typeface="+mn-ea"/>
+                <a:cs typeface="Times New Roman" panose="02020603050405020304" pitchFamily="18" charset="0"/>
+              </a:defRPr>
+            </a:pPr>
+            <a:r>
+              <a:rPr lang="en-US" sz="1800"/>
+              <a:t>Sensitivity Analysis of W_0</a:t>
+            </a:r>
+          </a:p>
+        </c:rich>
+      </c:tx>
+      <c:overlay val="0"/>
+      <c:spPr>
+        <a:noFill/>
+        <a:ln>
+          <a:noFill/>
+        </a:ln>
+        <a:effectLst/>
+      </c:spPr>
+      <c:txPr>
+        <a:bodyPr rot="0" spcFirstLastPara="1" vertOverflow="ellipsis" vert="horz" wrap="square" anchor="ctr" anchorCtr="1"/>
+        <a:lstStyle/>
+        <a:p>
+          <a:pPr>
+            <a:defRPr sz="1400" b="0" i="0" u="none" strike="noStrike" kern="1200" spc="0" baseline="0">
+              <a:solidFill>
+                <a:schemeClr val="tx1">
+                  <a:lumMod val="65000"/>
+                  <a:lumOff val="35000"/>
+                </a:schemeClr>
+              </a:solidFill>
+              <a:latin typeface="Times New Roman" panose="02020603050405020304" pitchFamily="18" charset="0"/>
+              <a:ea typeface="+mn-ea"/>
+              <a:cs typeface="Times New Roman" panose="02020603050405020304" pitchFamily="18" charset="0"/>
+            </a:defRPr>
+          </a:pPr>
+          <a:endParaRPr lang="en-US"/>
+        </a:p>
+      </c:txPr>
+    </c:title>
+    <c:autoTitleDeleted val="0"/>
+    <c:plotArea>
+      <c:layout/>
+      <c:scatterChart>
+        <c:scatterStyle val="lineMarker"/>
+        <c:varyColors val="0"/>
+        <c:ser>
+          <c:idx val="0"/>
+          <c:order val="0"/>
+          <c:tx>
+            <c:strRef>
+              <c:f>Sheet1!$B$1</c:f>
+              <c:strCache>
+                <c:ptCount val="1"/>
+                <c:pt idx="0">
+                  <c:v>ros</c:v>
+                </c:pt>
+              </c:strCache>
+            </c:strRef>
+          </c:tx>
+          <c:spPr>
+            <a:ln w="25400" cap="rnd">
+              <a:solidFill>
+                <a:srgbClr val="FF0000"/>
+              </a:solidFill>
+              <a:prstDash val="solid"/>
+              <a:round/>
+            </a:ln>
+            <a:effectLst/>
+          </c:spPr>
+          <c:marker>
+            <c:symbol val="circle"/>
+            <c:size val="5"/>
+            <c:spPr>
+              <a:solidFill>
+                <a:srgbClr val="0070C0"/>
+              </a:solidFill>
+              <a:ln w="9525">
+                <a:solidFill>
+                  <a:srgbClr val="0070C0"/>
+                </a:solidFill>
+              </a:ln>
+              <a:effectLst/>
+            </c:spPr>
+          </c:marker>
+          <c:xVal>
+            <c:numRef>
+              <c:f>Sheet1!$A$2:$A$52</c:f>
+              <c:numCache>
+                <c:formatCode>General</c:formatCode>
+                <c:ptCount val="51"/>
+                <c:pt idx="0">
+                  <c:v>1</c:v>
+                </c:pt>
+                <c:pt idx="1">
+                  <c:v>2</c:v>
+                </c:pt>
+                <c:pt idx="2">
+                  <c:v>3</c:v>
+                </c:pt>
+                <c:pt idx="3">
+                  <c:v>4</c:v>
+                </c:pt>
+                <c:pt idx="4">
+                  <c:v>5</c:v>
+                </c:pt>
+                <c:pt idx="5">
+                  <c:v>6</c:v>
+                </c:pt>
+                <c:pt idx="6">
+                  <c:v>7</c:v>
+                </c:pt>
+                <c:pt idx="7">
+                  <c:v>8</c:v>
+                </c:pt>
+                <c:pt idx="8">
+                  <c:v>9</c:v>
+                </c:pt>
+                <c:pt idx="9">
+                  <c:v>10</c:v>
+                </c:pt>
+                <c:pt idx="10">
+                  <c:v>11</c:v>
+                </c:pt>
+                <c:pt idx="11">
+                  <c:v>12</c:v>
+                </c:pt>
+                <c:pt idx="12">
+                  <c:v>13</c:v>
+                </c:pt>
+                <c:pt idx="13">
+                  <c:v>14</c:v>
+                </c:pt>
+                <c:pt idx="14">
+                  <c:v>15</c:v>
+                </c:pt>
+                <c:pt idx="15">
+                  <c:v>16</c:v>
+                </c:pt>
+                <c:pt idx="16">
+                  <c:v>17</c:v>
+                </c:pt>
+                <c:pt idx="17">
+                  <c:v>18</c:v>
+                </c:pt>
+                <c:pt idx="18">
+                  <c:v>19</c:v>
+                </c:pt>
+                <c:pt idx="19">
+                  <c:v>20</c:v>
+                </c:pt>
+                <c:pt idx="20">
+                  <c:v>21</c:v>
+                </c:pt>
+                <c:pt idx="21">
+                  <c:v>22</c:v>
+                </c:pt>
+                <c:pt idx="22">
+                  <c:v>23</c:v>
+                </c:pt>
+                <c:pt idx="23">
+                  <c:v>24</c:v>
+                </c:pt>
+                <c:pt idx="24">
+                  <c:v>25</c:v>
+                </c:pt>
+                <c:pt idx="25">
+                  <c:v>26</c:v>
+                </c:pt>
+                <c:pt idx="26">
+                  <c:v>27</c:v>
+                </c:pt>
+                <c:pt idx="27">
+                  <c:v>28</c:v>
+                </c:pt>
+                <c:pt idx="28">
+                  <c:v>29</c:v>
+                </c:pt>
+                <c:pt idx="29">
+                  <c:v>30</c:v>
+                </c:pt>
+                <c:pt idx="30">
+                  <c:v>31</c:v>
+                </c:pt>
+                <c:pt idx="31">
+                  <c:v>32</c:v>
+                </c:pt>
+                <c:pt idx="32">
+                  <c:v>33</c:v>
+                </c:pt>
+                <c:pt idx="33">
+                  <c:v>34</c:v>
+                </c:pt>
+                <c:pt idx="34">
+                  <c:v>35</c:v>
+                </c:pt>
+                <c:pt idx="35">
+                  <c:v>36</c:v>
+                </c:pt>
+                <c:pt idx="36">
+                  <c:v>37</c:v>
+                </c:pt>
+                <c:pt idx="37">
+                  <c:v>38</c:v>
+                </c:pt>
+                <c:pt idx="38">
+                  <c:v>39</c:v>
+                </c:pt>
+                <c:pt idx="39">
+                  <c:v>40</c:v>
+                </c:pt>
+                <c:pt idx="40">
+                  <c:v>41</c:v>
+                </c:pt>
+                <c:pt idx="41">
+                  <c:v>42</c:v>
+                </c:pt>
+                <c:pt idx="42">
+                  <c:v>43</c:v>
+                </c:pt>
+                <c:pt idx="43">
+                  <c:v>44</c:v>
+                </c:pt>
+                <c:pt idx="44">
+                  <c:v>45</c:v>
+                </c:pt>
+                <c:pt idx="45">
+                  <c:v>46</c:v>
+                </c:pt>
+                <c:pt idx="46">
+                  <c:v>47</c:v>
+                </c:pt>
+                <c:pt idx="47">
+                  <c:v>48</c:v>
+                </c:pt>
+                <c:pt idx="48">
+                  <c:v>49</c:v>
+                </c:pt>
+                <c:pt idx="49">
+                  <c:v>50</c:v>
+                </c:pt>
+                <c:pt idx="50">
+                  <c:v>51</c:v>
+                </c:pt>
+              </c:numCache>
+            </c:numRef>
+          </c:xVal>
+          <c:yVal>
+            <c:numRef>
+              <c:f>Sheet1!$B$2:$B$52</c:f>
+              <c:numCache>
+                <c:formatCode>General</c:formatCode>
+                <c:ptCount val="51"/>
+                <c:pt idx="0">
+                  <c:v>5.5300000000000002E-2</c:v>
+                </c:pt>
+                <c:pt idx="1">
+                  <c:v>5.9400000000000001E-2</c:v>
+                </c:pt>
+                <c:pt idx="2">
+                  <c:v>6.3399999999999998E-2</c:v>
+                </c:pt>
+                <c:pt idx="3">
+                  <c:v>6.7400000000000002E-2</c:v>
+                </c:pt>
+                <c:pt idx="4">
+                  <c:v>7.1400000000000005E-2</c:v>
+                </c:pt>
+                <c:pt idx="5">
+                  <c:v>7.5399999999999995E-2</c:v>
+                </c:pt>
+                <c:pt idx="6">
+                  <c:v>7.9299999999999995E-2</c:v>
+                </c:pt>
+                <c:pt idx="7">
+                  <c:v>8.3299999999999999E-2</c:v>
+                </c:pt>
+                <c:pt idx="8">
+                  <c:v>8.72E-2</c:v>
+                </c:pt>
+                <c:pt idx="9">
+                  <c:v>9.11E-2</c:v>
+                </c:pt>
+                <c:pt idx="10">
+                  <c:v>9.5000000000000001E-2</c:v>
+                </c:pt>
+                <c:pt idx="11">
+                  <c:v>9.8900000000000002E-2</c:v>
+                </c:pt>
+                <c:pt idx="12">
+                  <c:v>0.1028</c:v>
+                </c:pt>
+                <c:pt idx="13">
+                  <c:v>0.1067</c:v>
+                </c:pt>
+                <c:pt idx="14">
+                  <c:v>0.1105</c:v>
+                </c:pt>
+                <c:pt idx="15">
+                  <c:v>0.1144</c:v>
+                </c:pt>
+                <c:pt idx="16">
+                  <c:v>0.1182</c:v>
+                </c:pt>
+                <c:pt idx="17">
+                  <c:v>0.1221</c:v>
+                </c:pt>
+                <c:pt idx="18">
+                  <c:v>0.12590000000000001</c:v>
+                </c:pt>
+                <c:pt idx="19">
+                  <c:v>0.12970000000000001</c:v>
+                </c:pt>
+                <c:pt idx="20">
+                  <c:v>0.13350000000000001</c:v>
+                </c:pt>
+                <c:pt idx="21">
+                  <c:v>0.13730000000000001</c:v>
+                </c:pt>
+                <c:pt idx="22">
+                  <c:v>0.1411</c:v>
+                </c:pt>
+                <c:pt idx="23">
+                  <c:v>0.1449</c:v>
+                </c:pt>
+                <c:pt idx="24">
+                  <c:v>0.1487</c:v>
+                </c:pt>
+                <c:pt idx="25">
+                  <c:v>0.1525</c:v>
+                </c:pt>
+                <c:pt idx="26">
+                  <c:v>0.15629999999999999</c:v>
+                </c:pt>
+                <c:pt idx="27">
+                  <c:v>0.16009999999999999</c:v>
+                </c:pt>
+                <c:pt idx="28">
+                  <c:v>0.1638</c:v>
+                </c:pt>
+                <c:pt idx="29">
+                  <c:v>0.1676</c:v>
+                </c:pt>
+                <c:pt idx="30">
+                  <c:v>0.17130000000000001</c:v>
+                </c:pt>
+                <c:pt idx="31">
+                  <c:v>0.17510000000000001</c:v>
+                </c:pt>
+                <c:pt idx="32">
+                  <c:v>0.17879999999999999</c:v>
+                </c:pt>
+                <c:pt idx="33">
+                  <c:v>0.18260000000000001</c:v>
+                </c:pt>
+                <c:pt idx="34">
+                  <c:v>0.18629999999999999</c:v>
+                </c:pt>
+                <c:pt idx="35">
+                  <c:v>0.19009999999999999</c:v>
+                </c:pt>
+                <c:pt idx="36">
+                  <c:v>0.1938</c:v>
+                </c:pt>
+                <c:pt idx="37">
+                  <c:v>0.19750000000000001</c:v>
+                </c:pt>
+                <c:pt idx="38">
+                  <c:v>0.20130000000000001</c:v>
+                </c:pt>
+                <c:pt idx="39">
+                  <c:v>0.20499999999999999</c:v>
+                </c:pt>
+                <c:pt idx="40">
+                  <c:v>0.2087</c:v>
+                </c:pt>
+                <c:pt idx="41">
+                  <c:v>0.21240000000000001</c:v>
+                </c:pt>
+                <c:pt idx="42">
+                  <c:v>0.21609999999999999</c:v>
+                </c:pt>
+                <c:pt idx="43">
+                  <c:v>0.21990000000000001</c:v>
+                </c:pt>
+                <c:pt idx="44">
+                  <c:v>0.22359999999999999</c:v>
+                </c:pt>
+                <c:pt idx="45">
+                  <c:v>0.2273</c:v>
+                </c:pt>
+                <c:pt idx="46">
+                  <c:v>0.23100000000000001</c:v>
+                </c:pt>
+                <c:pt idx="47">
+                  <c:v>0.23469999999999999</c:v>
+                </c:pt>
+                <c:pt idx="48">
+                  <c:v>0.2384</c:v>
+                </c:pt>
+                <c:pt idx="49">
+                  <c:v>0.24210000000000001</c:v>
+                </c:pt>
+                <c:pt idx="50">
+                  <c:v>0.24210000000000001</c:v>
+                </c:pt>
+              </c:numCache>
+            </c:numRef>
+          </c:yVal>
+          <c:smooth val="0"/>
+          <c:extLst>
+            <c:ext xmlns:c16="http://schemas.microsoft.com/office/drawing/2014/chart" uri="{C3380CC4-5D6E-409C-BE32-E72D297353CC}">
+              <c16:uniqueId val="{00000000-8DF6-4949-AC2F-6CCB70F558F1}"/>
+            </c:ext>
+          </c:extLst>
+        </c:ser>
+        <c:dLbls>
+          <c:showLegendKey val="0"/>
+          <c:showVal val="0"/>
+          <c:showCatName val="0"/>
+          <c:showSerName val="0"/>
+          <c:showPercent val="0"/>
+          <c:showBubbleSize val="0"/>
+        </c:dLbls>
+        <c:axId val="489039280"/>
+        <c:axId val="489040960"/>
+      </c:scatterChart>
+      <c:valAx>
+        <c:axId val="489039280"/>
+        <c:scaling>
+          <c:orientation val="minMax"/>
+        </c:scaling>
+        <c:delete val="0"/>
+        <c:axPos val="b"/>
+        <c:majorGridlines>
+          <c:spPr>
+            <a:ln w="9525" cap="flat" cmpd="sng" algn="ctr">
+              <a:solidFill>
+                <a:schemeClr val="tx1">
+                  <a:lumMod val="15000"/>
+                  <a:lumOff val="85000"/>
+                </a:schemeClr>
+              </a:solidFill>
+              <a:round/>
+            </a:ln>
+            <a:effectLst/>
+          </c:spPr>
+        </c:majorGridlines>
+        <c:title>
+          <c:tx>
+            <c:rich>
+              <a:bodyPr rot="0" spcFirstLastPara="1" vertOverflow="ellipsis" vert="horz" wrap="square" anchor="ctr" anchorCtr="1"/>
+              <a:lstStyle/>
+              <a:p>
+                <a:pPr>
+                  <a:defRPr sz="1000" b="0" i="0" u="none" strike="noStrike" kern="1200" baseline="0">
+                    <a:solidFill>
+                      <a:schemeClr val="tx1">
+                        <a:lumMod val="65000"/>
+                        <a:lumOff val="35000"/>
+                      </a:schemeClr>
+                    </a:solidFill>
+                    <a:latin typeface="Times New Roman" panose="02020603050405020304" pitchFamily="18" charset="0"/>
+                    <a:ea typeface="+mn-ea"/>
+                    <a:cs typeface="Times New Roman" panose="02020603050405020304" pitchFamily="18" charset="0"/>
+                  </a:defRPr>
+                </a:pPr>
+                <a:r>
+                  <a:rPr lang="en-US" sz="1200" b="1"/>
+                  <a:t>W_0 (m)</a:t>
+                </a:r>
+              </a:p>
+            </c:rich>
+          </c:tx>
+          <c:overlay val="0"/>
+          <c:spPr>
+            <a:noFill/>
+            <a:ln>
+              <a:noFill/>
+            </a:ln>
+            <a:effectLst/>
+          </c:spPr>
+          <c:txPr>
+            <a:bodyPr rot="0" spcFirstLastPara="1" vertOverflow="ellipsis" vert="horz" wrap="square" anchor="ctr" anchorCtr="1"/>
+            <a:lstStyle/>
+            <a:p>
+              <a:pPr>
+                <a:defRPr sz="1000" b="0" i="0" u="none" strike="noStrike" kern="1200" baseline="0">
+                  <a:solidFill>
+                    <a:schemeClr val="tx1">
+                      <a:lumMod val="65000"/>
+                      <a:lumOff val="35000"/>
+                    </a:schemeClr>
+                  </a:solidFill>
+                  <a:latin typeface="Times New Roman" panose="02020603050405020304" pitchFamily="18" charset="0"/>
+                  <a:ea typeface="+mn-ea"/>
+                  <a:cs typeface="Times New Roman" panose="02020603050405020304" pitchFamily="18" charset="0"/>
+                </a:defRPr>
+              </a:pPr>
+              <a:endParaRPr lang="en-US"/>
+            </a:p>
+          </c:txPr>
+        </c:title>
+        <c:numFmt formatCode="General" sourceLinked="1"/>
+        <c:majorTickMark val="none"/>
+        <c:minorTickMark val="none"/>
+        <c:tickLblPos val="nextTo"/>
+        <c:spPr>
+          <a:noFill/>
+          <a:ln w="9525" cap="flat" cmpd="sng" algn="ctr">
+            <a:solidFill>
+              <a:schemeClr val="tx1">
+                <a:lumMod val="25000"/>
+                <a:lumOff val="75000"/>
+              </a:schemeClr>
+            </a:solidFill>
+            <a:round/>
+          </a:ln>
+          <a:effectLst/>
+        </c:spPr>
+        <c:txPr>
+          <a:bodyPr rot="-60000000" spcFirstLastPara="1" vertOverflow="ellipsis" vert="horz" wrap="square" anchor="ctr" anchorCtr="1"/>
+          <a:lstStyle/>
+          <a:p>
+            <a:pPr>
+              <a:defRPr sz="900" b="0" i="0" u="none" strike="noStrike" kern="1200" baseline="0">
+                <a:solidFill>
+                  <a:schemeClr val="tx1">
+                    <a:lumMod val="65000"/>
+                    <a:lumOff val="35000"/>
+                  </a:schemeClr>
+                </a:solidFill>
+                <a:latin typeface="Times New Roman" panose="02020603050405020304" pitchFamily="18" charset="0"/>
+                <a:ea typeface="+mn-ea"/>
+                <a:cs typeface="Times New Roman" panose="02020603050405020304" pitchFamily="18" charset="0"/>
+              </a:defRPr>
+            </a:pPr>
+            <a:endParaRPr lang="en-US"/>
+          </a:p>
+        </c:txPr>
+        <c:crossAx val="489040960"/>
+        <c:crosses val="autoZero"/>
+        <c:crossBetween val="midCat"/>
+      </c:valAx>
+      <c:valAx>
+        <c:axId val="489040960"/>
+        <c:scaling>
+          <c:orientation val="minMax"/>
+        </c:scaling>
+        <c:delete val="0"/>
+        <c:axPos val="l"/>
+        <c:majorGridlines>
+          <c:spPr>
+            <a:ln w="9525" cap="flat" cmpd="sng" algn="ctr">
+              <a:solidFill>
+                <a:schemeClr val="tx1">
+                  <a:lumMod val="15000"/>
+                  <a:lumOff val="85000"/>
+                </a:schemeClr>
+              </a:solidFill>
+              <a:round/>
+            </a:ln>
+            <a:effectLst/>
+          </c:spPr>
+        </c:majorGridlines>
+        <c:title>
+          <c:tx>
+            <c:rich>
+              <a:bodyPr rot="-5400000" spcFirstLastPara="1" vertOverflow="ellipsis" vert="horz" wrap="square" anchor="ctr" anchorCtr="1"/>
+              <a:lstStyle/>
+              <a:p>
+                <a:pPr>
+                  <a:defRPr sz="1000" b="0" i="0" u="none" strike="noStrike" kern="1200" baseline="0">
+                    <a:solidFill>
+                      <a:schemeClr val="tx1">
+                        <a:lumMod val="65000"/>
+                        <a:lumOff val="35000"/>
+                      </a:schemeClr>
+                    </a:solidFill>
+                    <a:latin typeface="Times New Roman" panose="02020603050405020304" pitchFamily="18" charset="0"/>
+                    <a:ea typeface="+mn-ea"/>
+                    <a:cs typeface="Times New Roman" panose="02020603050405020304" pitchFamily="18" charset="0"/>
+                  </a:defRPr>
+                </a:pPr>
+                <a:r>
+                  <a:rPr lang="en-US" sz="1200" b="1"/>
+                  <a:t>Rate of Spread (m/s)</a:t>
+                </a:r>
+              </a:p>
+            </c:rich>
+          </c:tx>
+          <c:overlay val="0"/>
+          <c:spPr>
+            <a:noFill/>
+            <a:ln>
+              <a:noFill/>
+            </a:ln>
+            <a:effectLst/>
+          </c:spPr>
+          <c:txPr>
+            <a:bodyPr rot="-5400000" spcFirstLastPara="1" vertOverflow="ellipsis" vert="horz" wrap="square" anchor="ctr" anchorCtr="1"/>
+            <a:lstStyle/>
+            <a:p>
+              <a:pPr>
+                <a:defRPr sz="1000" b="0" i="0" u="none" strike="noStrike" kern="1200" baseline="0">
+                  <a:solidFill>
+                    <a:schemeClr val="tx1">
+                      <a:lumMod val="65000"/>
+                      <a:lumOff val="35000"/>
+                    </a:schemeClr>
+                  </a:solidFill>
+                  <a:latin typeface="Times New Roman" panose="02020603050405020304" pitchFamily="18" charset="0"/>
+                  <a:ea typeface="+mn-ea"/>
+                  <a:cs typeface="Times New Roman" panose="02020603050405020304" pitchFamily="18" charset="0"/>
+                </a:defRPr>
+              </a:pPr>
+              <a:endParaRPr lang="en-US"/>
+            </a:p>
+          </c:txPr>
+        </c:title>
+        <c:numFmt formatCode="General" sourceLinked="1"/>
+        <c:majorTickMark val="none"/>
+        <c:minorTickMark val="none"/>
+        <c:tickLblPos val="nextTo"/>
+        <c:spPr>
+          <a:noFill/>
+          <a:ln w="9525" cap="flat" cmpd="sng" algn="ctr">
+            <a:solidFill>
+              <a:schemeClr val="tx1">
+                <a:lumMod val="25000"/>
+                <a:lumOff val="75000"/>
+              </a:schemeClr>
+            </a:solidFill>
+            <a:round/>
+          </a:ln>
+          <a:effectLst/>
+        </c:spPr>
+        <c:txPr>
+          <a:bodyPr rot="-60000000" spcFirstLastPara="1" vertOverflow="ellipsis" vert="horz" wrap="square" anchor="ctr" anchorCtr="1"/>
+          <a:lstStyle/>
+          <a:p>
+            <a:pPr>
+              <a:defRPr sz="900" b="0" i="0" u="none" strike="noStrike" kern="1200" baseline="0">
+                <a:solidFill>
+                  <a:schemeClr val="tx1">
+                    <a:lumMod val="65000"/>
+                    <a:lumOff val="35000"/>
+                  </a:schemeClr>
+                </a:solidFill>
+                <a:latin typeface="Times New Roman" panose="02020603050405020304" pitchFamily="18" charset="0"/>
+                <a:ea typeface="+mn-ea"/>
+                <a:cs typeface="Times New Roman" panose="02020603050405020304" pitchFamily="18" charset="0"/>
+              </a:defRPr>
+            </a:pPr>
+            <a:endParaRPr lang="en-US"/>
+          </a:p>
+        </c:txPr>
+        <c:crossAx val="489039280"/>
+        <c:crosses val="autoZero"/>
+        <c:crossBetween val="midCat"/>
+      </c:valAx>
+      <c:spPr>
+        <a:noFill/>
+        <a:ln>
+          <a:noFill/>
+        </a:ln>
+        <a:effectLst/>
+      </c:spPr>
+    </c:plotArea>
+    <c:plotVisOnly val="1"/>
+    <c:dispBlanksAs val="gap"/>
+    <c:showDLblsOverMax val="0"/>
+  </c:chart>
+  <c:spPr>
+    <a:noFill/>
+    <a:ln>
+      <a:noFill/>
+    </a:ln>
+    <a:effectLst/>
+  </c:spPr>
+  <c:txPr>
+    <a:bodyPr/>
+    <a:lstStyle/>
+    <a:p>
+      <a:pPr>
+        <a:defRPr>
+          <a:latin typeface="Times New Roman" panose="02020603050405020304" pitchFamily="18" charset="0"/>
+          <a:cs typeface="Times New Roman" panose="02020603050405020304" pitchFamily="18" charset="0"/>
+        </a:defRPr>
+      </a:pPr>
+      <a:endParaRPr lang="en-US"/>
+    </a:p>
+  </c:txPr>
+  <c:externalData r:id="rId3">
+    <c:autoUpdate val="0"/>
+  </c:externalData>
+</c:chartSpace>
+</file>
+
+<file path=ppt/charts/colors1.xml><?xml version="1.0" encoding="utf-8"?>
+<cs:colorStyle xmlns:cs="http://schemas.microsoft.com/office/drawing/2012/chartStyle" xmlns:a="http://schemas.openxmlformats.org/drawingml/2006/main" meth="cycle" id="10">
+  <a:schemeClr val="accent1"/>
+  <a:schemeClr val="accent2"/>
+  <a:schemeClr val="accent3"/>
+  <a:schemeClr val="accent4"/>
+  <a:schemeClr val="accent5"/>
+  <a:schemeClr val="accent6"/>
+  <cs:variation/>
+  <cs:variation>
+    <a:lumMod val="60000"/>
+  </cs:variation>
+  <cs:variation>
+    <a:lumMod val="80000"/>
+    <a:lumOff val="20000"/>
+  </cs:variation>
+  <cs:variation>
+    <a:lumMod val="80000"/>
+  </cs:variation>
+  <cs:variation>
+    <a:lumMod val="60000"/>
+    <a:lumOff val="40000"/>
+  </cs:variation>
+  <cs:variation>
+    <a:lumMod val="50000"/>
+  </cs:variation>
+  <cs:variation>
+    <a:lumMod val="70000"/>
+    <a:lumOff val="30000"/>
+  </cs:variation>
+  <cs:variation>
+    <a:lumMod val="70000"/>
+  </cs:variation>
+  <cs:variation>
+    <a:lumMod val="50000"/>
+    <a:lumOff val="50000"/>
+  </cs:variation>
+</cs:colorStyle>
+</file>
+
+<file path=ppt/charts/style1.xml><?xml version="1.0" encoding="utf-8"?>
+<cs:chartStyle xmlns:cs="http://schemas.microsoft.com/office/drawing/2012/chartStyle" xmlns:a="http://schemas.openxmlformats.org/drawingml/2006/main" id="240">
+  <cs:axisTitle>
+    <cs:lnRef idx="0"/>
+    <cs:fillRef idx="0"/>
+    <cs:effectRef idx="0"/>
+    <cs:fontRef idx="minor">
+      <a:schemeClr val="tx1">
+        <a:lumMod val="65000"/>
+        <a:lumOff val="35000"/>
+      </a:schemeClr>
+    </cs:fontRef>
+    <cs:defRPr sz="1000" kern="1200"/>
+  </cs:axisTitle>
+  <cs:categoryAxis>
+    <cs:lnRef idx="0"/>
+    <cs:fillRef idx="0"/>
+    <cs:effectRef idx="0"/>
+    <cs:fontRef idx="minor">
+      <a:schemeClr val="tx1">
+        <a:lumMod val="65000"/>
+        <a:lumOff val="35000"/>
+      </a:schemeClr>
+    </cs:fontRef>
+    <cs:spPr>
+      <a:ln w="9525" cap="flat" cmpd="sng" algn="ctr">
+        <a:solidFill>
+          <a:schemeClr val="tx1">
+            <a:lumMod val="25000"/>
+            <a:lumOff val="75000"/>
+          </a:schemeClr>
+        </a:solidFill>
+        <a:round/>
+      </a:ln>
+    </cs:spPr>
+    <cs:defRPr sz="900" kern="1200"/>
+  </cs:categoryAxis>
+  <cs:chartArea mods="allowNoFillOverride allowNoLineOverride">
+    <cs:lnRef idx="0"/>
+    <cs:fillRef idx="0"/>
+    <cs:effectRef idx="0"/>
+    <cs:fontRef idx="minor">
+      <a:schemeClr val="tx1"/>
+    </cs:fontRef>
+    <cs:spPr>
+      <a:solidFill>
+        <a:schemeClr val="bg1"/>
+      </a:solidFill>
+      <a:ln w="9525" cap="flat" cmpd="sng" algn="ctr">
+        <a:solidFill>
+          <a:schemeClr val="tx1">
+            <a:lumMod val="15000"/>
+            <a:lumOff val="85000"/>
+          </a:schemeClr>
+        </a:solidFill>
+        <a:round/>
+      </a:ln>
+    </cs:spPr>
+    <cs:defRPr sz="1000" kern="1200"/>
+  </cs:chartArea>
+  <cs:dataLabel>
+    <cs:lnRef idx="0"/>
+    <cs:fillRef idx="0"/>
+    <cs:effectRef idx="0"/>
+    <cs:fontRef idx="minor">
+      <a:schemeClr val="tx1">
+        <a:lumMod val="75000"/>
+        <a:lumOff val="25000"/>
+      </a:schemeClr>
+    </cs:fontRef>
+    <cs:defRPr sz="900" kern="1200"/>
+  </cs:dataLabel>
+  <cs:dataLabelCallout>
+    <cs:lnRef idx="0"/>
+    <cs:fillRef idx="0"/>
+    <cs:effectRef idx="0"/>
+    <cs:fontRef idx="minor">
+      <a:schemeClr val="dk1">
+        <a:lumMod val="65000"/>
+        <a:lumOff val="35000"/>
+      </a:schemeClr>
+    </cs:fontRef>
+    <cs:spPr>
+      <a:solidFill>
+        <a:schemeClr val="lt1"/>
+      </a:solidFill>
+      <a:ln>
+        <a:solidFill>
+          <a:schemeClr val="dk1">
+            <a:lumMod val="25000"/>
+            <a:lumOff val="75000"/>
+          </a:schemeClr>
+        </a:solidFill>
+      </a:ln>
+    </cs:spPr>
+    <cs:defRPr sz="900" kern="1200"/>
+    <cs:bodyPr rot="0" spcFirstLastPara="1" vertOverflow="clip" horzOverflow="clip" vert="horz" wrap="square" lIns="36576" tIns="18288" rIns="36576" bIns="18288" anchor="ctr" anchorCtr="1">
+      <a:spAutoFit/>
+    </cs:bodyPr>
+  </cs:dataLabelCallout>
+  <cs:dataPoint>
+    <cs:lnRef idx="0"/>
+    <cs:fillRef idx="1">
+      <cs:styleClr val="auto"/>
+    </cs:fillRef>
+    <cs:effectRef idx="0"/>
+    <cs:fontRef idx="minor">
+      <a:schemeClr val="tx1"/>
+    </cs:fontRef>
+  </cs:dataPoint>
+  <cs:dataPoint3D>
+    <cs:lnRef idx="0"/>
+    <cs:fillRef idx="1">
+      <cs:styleClr val="auto"/>
+    </cs:fillRef>
+    <cs:effectRef idx="0"/>
+    <cs:fontRef idx="minor">
+      <a:schemeClr val="tx1"/>
+    </cs:fontRef>
+  </cs:dataPoint3D>
+  <cs:dataPointLine>
+    <cs:lnRef idx="0">
+      <cs:styleClr val="auto"/>
+    </cs:lnRef>
+    <cs:fillRef idx="1"/>
+    <cs:effectRef idx="0"/>
+    <cs:fontRef idx="minor">
+      <a:schemeClr val="tx1"/>
+    </cs:fontRef>
+    <cs:spPr>
+      <a:ln w="19050" cap="rnd">
+        <a:solidFill>
+          <a:schemeClr val="phClr"/>
+        </a:solidFill>
+        <a:round/>
+      </a:ln>
+    </cs:spPr>
+  </cs:dataPointLine>
+  <cs:dataPointMarker>
+    <cs:lnRef idx="0">
+      <cs:styleClr val="auto"/>
+    </cs:lnRef>
+    <cs:fillRef idx="1">
+      <cs:styleClr val="auto"/>
+    </cs:fillRef>
+    <cs:effectRef idx="0"/>
+    <cs:fontRef idx="minor">
+      <a:schemeClr val="tx1"/>
+    </cs:fontRef>
+    <cs:spPr>
+      <a:ln w="9525">
+        <a:solidFill>
+          <a:schemeClr val="phClr"/>
+        </a:solidFill>
+      </a:ln>
+    </cs:spPr>
+  </cs:dataPointMarker>
+  <cs:dataPointMarkerLayout symbol="circle" size="5"/>
+  <cs:dataPointWireframe>
+    <cs:lnRef idx="0">
+      <cs:styleClr val="auto"/>
+    </cs:lnRef>
+    <cs:fillRef idx="0"/>
+    <cs:effectRef idx="0"/>
+    <cs:fontRef idx="minor">
+      <a:schemeClr val="dk1"/>
+    </cs:fontRef>
+    <cs:spPr>
+      <a:ln w="9525" cap="rnd">
+        <a:solidFill>
+          <a:schemeClr val="phClr"/>
+        </a:solidFill>
+        <a:round/>
+      </a:ln>
+    </cs:spPr>
+  </cs:dataPointWireframe>
+  <cs:dataTable>
+    <cs:lnRef idx="0"/>
+    <cs:fillRef idx="0"/>
+    <cs:effectRef idx="0"/>
+    <cs:fontRef idx="minor">
+      <a:schemeClr val="tx1">
+        <a:lumMod val="65000"/>
+        <a:lumOff val="35000"/>
+      </a:schemeClr>
+    </cs:fontRef>
+    <cs:spPr>
+      <a:noFill/>
+      <a:ln w="9525" cap="flat" cmpd="sng" algn="ctr">
+        <a:solidFill>
+          <a:schemeClr val="tx1">
+            <a:lumMod val="15000"/>
+            <a:lumOff val="85000"/>
+          </a:schemeClr>
+        </a:solidFill>
+        <a:round/>
+      </a:ln>
+    </cs:spPr>
+    <cs:defRPr sz="900" kern="1200"/>
+  </cs:dataTable>
+  <cs:downBar>
+    <cs:lnRef idx="0"/>
+    <cs:fillRef idx="0"/>
+    <cs:effectRef idx="0"/>
+    <cs:fontRef idx="minor">
+      <a:schemeClr val="tx1"/>
+    </cs:fontRef>
+    <cs:spPr>
+      <a:solidFill>
+        <a:schemeClr val="dk1">
+          <a:lumMod val="75000"/>
+          <a:lumOff val="25000"/>
+        </a:schemeClr>
+      </a:solidFill>
+      <a:ln w="9525" cap="flat" cmpd="sng" algn="ctr">
+        <a:solidFill>
+          <a:schemeClr val="tx1">
+            <a:lumMod val="65000"/>
+            <a:lumOff val="35000"/>
+          </a:schemeClr>
+        </a:solidFill>
+        <a:round/>
+      </a:ln>
+    </cs:spPr>
+  </cs:downBar>
+  <cs:dropLine>
+    <cs:lnRef idx="0"/>
+    <cs:fillRef idx="0"/>
+    <cs:effectRef idx="0"/>
+    <cs:fontRef idx="minor">
+      <a:schemeClr val="tx1"/>
+    </cs:fontRef>
+    <cs:spPr>
+      <a:ln w="9525" cap="flat" cmpd="sng" algn="ctr">
+        <a:solidFill>
+          <a:schemeClr val="tx1">
+            <a:lumMod val="35000"/>
+            <a:lumOff val="65000"/>
+          </a:schemeClr>
+        </a:solidFill>
+        <a:round/>
+      </a:ln>
+    </cs:spPr>
+  </cs:dropLine>
+  <cs:errorBar>
+    <cs:lnRef idx="0"/>
+    <cs:fillRef idx="0"/>
+    <cs:effectRef idx="0"/>
+    <cs:fontRef idx="minor">
+      <a:schemeClr val="tx1"/>
+    </cs:fontRef>
+    <cs:spPr>
+      <a:ln w="9525" cap="flat" cmpd="sng" algn="ctr">
+        <a:solidFill>
+          <a:schemeClr val="tx1">
+            <a:lumMod val="65000"/>
+            <a:lumOff val="35000"/>
+          </a:schemeClr>
+        </a:solidFill>
+        <a:round/>
+      </a:ln>
+    </cs:spPr>
+  </cs:errorBar>
+  <cs:floor>
+    <cs:lnRef idx="0"/>
+    <cs:fillRef idx="0"/>
+    <cs:effectRef idx="0"/>
+    <cs:fontRef idx="minor">
+      <a:schemeClr val="tx1"/>
+    </cs:fontRef>
+    <cs:spPr>
+      <a:noFill/>
+      <a:ln>
+        <a:noFill/>
+      </a:ln>
+    </cs:spPr>
+  </cs:floor>
+  <cs:gridlineMajor>
+    <cs:lnRef idx="0"/>
+    <cs:fillRef idx="0"/>
+    <cs:effectRef idx="0"/>
+    <cs:fontRef idx="minor">
+      <a:schemeClr val="tx1"/>
+    </cs:fontRef>
+    <cs:spPr>
+      <a:ln w="9525" cap="flat" cmpd="sng" algn="ctr">
+        <a:solidFill>
+          <a:schemeClr val="tx1">
+            <a:lumMod val="15000"/>
+            <a:lumOff val="85000"/>
+          </a:schemeClr>
+        </a:solidFill>
+        <a:round/>
+      </a:ln>
+    </cs:spPr>
+  </cs:gridlineMajor>
+  <cs:gridlineMinor>
+    <cs:lnRef idx="0"/>
+    <cs:fillRef idx="0"/>
+    <cs:effectRef idx="0"/>
+    <cs:fontRef idx="minor">
+      <a:schemeClr val="tx1"/>
+    </cs:fontRef>
+    <cs:spPr>
+      <a:ln w="9525" cap="flat" cmpd="sng" algn="ctr">
+        <a:solidFill>
+          <a:schemeClr val="tx1">
+            <a:lumMod val="5000"/>
+            <a:lumOff val="95000"/>
+          </a:schemeClr>
+        </a:solidFill>
+        <a:round/>
+      </a:ln>
+    </cs:spPr>
+  </cs:gridlineMinor>
+  <cs:hiLoLine>
+    <cs:lnRef idx="0"/>
+    <cs:fillRef idx="0"/>
+    <cs:effectRef idx="0"/>
+    <cs:fontRef idx="minor">
+      <a:schemeClr val="tx1"/>
+    </cs:fontRef>
+    <cs:spPr>
+      <a:ln w="9525" cap="flat" cmpd="sng" algn="ctr">
+        <a:solidFill>
+          <a:schemeClr val="tx1">
+            <a:lumMod val="50000"/>
+            <a:lumOff val="50000"/>
+          </a:schemeClr>
+        </a:solidFill>
+        <a:round/>
+      </a:ln>
+    </cs:spPr>
+  </cs:hiLoLine>
+  <cs:leaderLine>
+    <cs:lnRef idx="0"/>
+    <cs:fillRef idx="0"/>
+    <cs:effectRef idx="0"/>
+    <cs:fontRef idx="minor">
+      <a:schemeClr val="tx1"/>
+    </cs:fontRef>
+    <cs:spPr>
+      <a:ln w="9525" cap="flat" cmpd="sng" algn="ctr">
+        <a:solidFill>
+          <a:schemeClr val="tx1">
+            <a:lumMod val="35000"/>
+            <a:lumOff val="65000"/>
+          </a:schemeClr>
+        </a:solidFill>
+        <a:round/>
+      </a:ln>
+    </cs:spPr>
+  </cs:leaderLine>
+  <cs:legend>
+    <cs:lnRef idx="0"/>
+    <cs:fillRef idx="0"/>
+    <cs:effectRef idx="0"/>
+    <cs:fontRef idx="minor">
+      <a:schemeClr val="tx1">
+        <a:lumMod val="65000"/>
+        <a:lumOff val="35000"/>
+      </a:schemeClr>
+    </cs:fontRef>
+    <cs:defRPr sz="900" kern="1200"/>
+  </cs:legend>
+  <cs:plotArea mods="allowNoFillOverride allowNoLineOverride">
+    <cs:lnRef idx="0"/>
+    <cs:fillRef idx="0"/>
+    <cs:effectRef idx="0"/>
+    <cs:fontRef idx="minor">
+      <a:schemeClr val="tx1"/>
+    </cs:fontRef>
+  </cs:plotArea>
+  <cs:plotArea3D mods="allowNoFillOverride allowNoLineOverride">
+    <cs:lnRef idx="0"/>
+    <cs:fillRef idx="0"/>
+    <cs:effectRef idx="0"/>
+    <cs:fontRef idx="minor">
+      <a:schemeClr val="tx1"/>
+    </cs:fontRef>
+  </cs:plotArea3D>
+  <cs:seriesAxis>
+    <cs:lnRef idx="0"/>
+    <cs:fillRef idx="0"/>
+    <cs:effectRef idx="0"/>
+    <cs:fontRef idx="minor">
+      <a:schemeClr val="tx1">
+        <a:lumMod val="65000"/>
+        <a:lumOff val="35000"/>
+      </a:schemeClr>
+    </cs:fontRef>
+    <cs:defRPr sz="900" kern="1200"/>
+  </cs:seriesAxis>
+  <cs:seriesLine>
+    <cs:lnRef idx="0"/>
+    <cs:fillRef idx="0"/>
+    <cs:effectRef idx="0"/>
+    <cs:fontRef idx="minor">
+      <a:schemeClr val="tx1"/>
+    </cs:fontRef>
+    <cs:spPr>
+      <a:ln w="9525" cap="flat" cmpd="sng" algn="ctr">
+        <a:solidFill>
+          <a:schemeClr val="tx1">
+            <a:lumMod val="35000"/>
+            <a:lumOff val="65000"/>
+          </a:schemeClr>
+        </a:solidFill>
+        <a:round/>
+      </a:ln>
+    </cs:spPr>
+  </cs:seriesLine>
+  <cs:title>
+    <cs:lnRef idx="0"/>
+    <cs:fillRef idx="0"/>
+    <cs:effectRef idx="0"/>
+    <cs:fontRef idx="minor">
+      <a:schemeClr val="tx1">
+        <a:lumMod val="65000"/>
+        <a:lumOff val="35000"/>
+      </a:schemeClr>
+    </cs:fontRef>
+    <cs:defRPr sz="1400" b="0" kern="1200" spc="0" baseline="0"/>
+  </cs:title>
+  <cs:trendline>
+    <cs:lnRef idx="0">
+      <cs:styleClr val="auto"/>
+    </cs:lnRef>
+    <cs:fillRef idx="0"/>
+    <cs:effectRef idx="0"/>
+    <cs:fontRef idx="minor">
+      <a:schemeClr val="tx1"/>
+    </cs:fontRef>
+    <cs:spPr>
+      <a:ln w="19050" cap="rnd">
+        <a:solidFill>
+          <a:schemeClr val="phClr"/>
+        </a:solidFill>
+        <a:prstDash val="sysDot"/>
+      </a:ln>
+    </cs:spPr>
+  </cs:trendline>
+  <cs:trendlineLabel>
+    <cs:lnRef idx="0"/>
+    <cs:fillRef idx="0"/>
+    <cs:effectRef idx="0"/>
+    <cs:fontRef idx="minor">
+      <a:schemeClr val="tx1">
+        <a:lumMod val="65000"/>
+        <a:lumOff val="35000"/>
+      </a:schemeClr>
+    </cs:fontRef>
+    <cs:defRPr sz="900" kern="1200"/>
+  </cs:trendlineLabel>
+  <cs:upBar>
+    <cs:lnRef idx="0"/>
+    <cs:fillRef idx="0"/>
+    <cs:effectRef idx="0"/>
+    <cs:fontRef idx="minor">
+      <a:schemeClr val="tx1"/>
+    </cs:fontRef>
+    <cs:spPr>
+      <a:solidFill>
+        <a:schemeClr val="lt1"/>
+      </a:solidFill>
+      <a:ln w="9525" cap="flat" cmpd="sng" algn="ctr">
+        <a:solidFill>
+          <a:schemeClr val="tx1">
+            <a:lumMod val="65000"/>
+            <a:lumOff val="35000"/>
+          </a:schemeClr>
+        </a:solidFill>
+        <a:round/>
+      </a:ln>
+    </cs:spPr>
+  </cs:upBar>
+  <cs:valueAxis>
+    <cs:lnRef idx="0"/>
+    <cs:fillRef idx="0"/>
+    <cs:effectRef idx="0"/>
+    <cs:fontRef idx="minor">
+      <a:schemeClr val="tx1">
+        <a:lumMod val="65000"/>
+        <a:lumOff val="35000"/>
+      </a:schemeClr>
+    </cs:fontRef>
+    <cs:spPr>
+      <a:ln w="9525" cap="flat" cmpd="sng" algn="ctr">
+        <a:solidFill>
+          <a:schemeClr val="tx1">
+            <a:lumMod val="25000"/>
+            <a:lumOff val="75000"/>
+          </a:schemeClr>
+        </a:solidFill>
+        <a:round/>
+      </a:ln>
+    </cs:spPr>
+    <cs:defRPr sz="900" kern="1200"/>
+  </cs:valueAxis>
+  <cs:wall>
+    <cs:lnRef idx="0"/>
+    <cs:fillRef idx="0"/>
+    <cs:effectRef idx="0"/>
+    <cs:fontRef idx="minor">
+      <a:schemeClr val="tx1"/>
+    </cs:fontRef>
+    <cs:spPr>
+      <a:noFill/>
+      <a:ln>
+        <a:noFill/>
+      </a:ln>
+    </cs:spPr>
+  </cs:wall>
+</cs:chartStyle>
+</file>
+
 <file path=ppt/slideLayouts/slideLayout1.xml><?xml version="1.0" encoding="utf-8"?>
 <p:sldLayout xmlns:a="http://schemas.openxmlformats.org/drawingml/2006/main" xmlns:r="http://schemas.openxmlformats.org/officeDocument/2006/relationships" xmlns:p="http://schemas.openxmlformats.org/presentationml/2006/main" type="title" preserve="1">
   <p:cSld name="Title Slide">
@@ -289,7 +1575,7 @@
           <a:p>
             <a:fld id="{E44F3716-7E2A-144C-BF83-BF0124CABBAB}" type="datetimeFigureOut">
               <a:rPr lang="en-US" smtClean="0"/>
-              <a:t>9/7/22</a:t>
+              <a:t>9/8/22</a:t>
             </a:fld>
             <a:endParaRPr lang="en-US"/>
           </a:p>
@@ -556,7 +1842,7 @@
           <a:p>
             <a:fld id="{E44F3716-7E2A-144C-BF83-BF0124CABBAB}" type="datetimeFigureOut">
               <a:rPr lang="en-US" smtClean="0"/>
-              <a:t>9/7/22</a:t>
+              <a:t>9/8/22</a:t>
             </a:fld>
             <a:endParaRPr lang="en-US"/>
           </a:p>
@@ -787,7 +2073,7 @@
           <a:p>
             <a:fld id="{E44F3716-7E2A-144C-BF83-BF0124CABBAB}" type="datetimeFigureOut">
               <a:rPr lang="en-US" smtClean="0"/>
-              <a:t>9/7/22</a:t>
+              <a:t>9/8/22</a:t>
             </a:fld>
             <a:endParaRPr lang="en-US"/>
           </a:p>
@@ -1097,7 +2383,7 @@
           <a:p>
             <a:fld id="{E44F3716-7E2A-144C-BF83-BF0124CABBAB}" type="datetimeFigureOut">
               <a:rPr lang="en-US" smtClean="0"/>
-              <a:t>9/7/22</a:t>
+              <a:t>9/8/22</a:t>
             </a:fld>
             <a:endParaRPr lang="en-US"/>
           </a:p>
@@ -1570,7 +2856,7 @@
           <a:p>
             <a:fld id="{E44F3716-7E2A-144C-BF83-BF0124CABBAB}" type="datetimeFigureOut">
               <a:rPr lang="en-US" smtClean="0"/>
-              <a:t>9/7/22</a:t>
+              <a:t>9/8/22</a:t>
             </a:fld>
             <a:endParaRPr lang="en-US"/>
           </a:p>
@@ -2117,7 +3403,7 @@
           <a:p>
             <a:fld id="{E44F3716-7E2A-144C-BF83-BF0124CABBAB}" type="datetimeFigureOut">
               <a:rPr lang="en-US" smtClean="0"/>
-              <a:t>9/7/22</a:t>
+              <a:t>9/8/22</a:t>
             </a:fld>
             <a:endParaRPr lang="en-US"/>
           </a:p>
@@ -2891,7 +4177,7 @@
           <a:p>
             <a:fld id="{E44F3716-7E2A-144C-BF83-BF0124CABBAB}" type="datetimeFigureOut">
               <a:rPr lang="en-US" smtClean="0"/>
-              <a:t>9/7/22</a:t>
+              <a:t>9/8/22</a:t>
             </a:fld>
             <a:endParaRPr lang="en-US"/>
           </a:p>
@@ -3066,7 +4352,7 @@
           <a:p>
             <a:fld id="{E44F3716-7E2A-144C-BF83-BF0124CABBAB}" type="datetimeFigureOut">
               <a:rPr lang="en-US" smtClean="0"/>
-              <a:t>9/7/22</a:t>
+              <a:t>9/8/22</a:t>
             </a:fld>
             <a:endParaRPr lang="en-US"/>
           </a:p>
@@ -3289,7 +4575,7 @@
           <a:p>
             <a:fld id="{E44F3716-7E2A-144C-BF83-BF0124CABBAB}" type="datetimeFigureOut">
               <a:rPr lang="en-US" smtClean="0"/>
-              <a:t>9/7/22</a:t>
+              <a:t>9/8/22</a:t>
             </a:fld>
             <a:endParaRPr lang="en-US"/>
           </a:p>
@@ -3469,7 +4755,7 @@
           <a:p>
             <a:fld id="{E44F3716-7E2A-144C-BF83-BF0124CABBAB}" type="datetimeFigureOut">
               <a:rPr lang="en-US" smtClean="0"/>
-              <a:t>9/7/22</a:t>
+              <a:t>9/8/22</a:t>
             </a:fld>
             <a:endParaRPr lang="en-US"/>
           </a:p>
@@ -3758,7 +5044,7 @@
           <a:p>
             <a:fld id="{E44F3716-7E2A-144C-BF83-BF0124CABBAB}" type="datetimeFigureOut">
               <a:rPr lang="en-US" smtClean="0"/>
-              <a:t>9/7/22</a:t>
+              <a:t>9/8/22</a:t>
             </a:fld>
             <a:endParaRPr lang="en-US"/>
           </a:p>
@@ -4000,7 +5286,7 @@
           <a:p>
             <a:fld id="{E44F3716-7E2A-144C-BF83-BF0124CABBAB}" type="datetimeFigureOut">
               <a:rPr lang="en-US" smtClean="0"/>
-              <a:t>9/7/22</a:t>
+              <a:t>9/8/22</a:t>
             </a:fld>
             <a:endParaRPr lang="en-US"/>
           </a:p>
@@ -4379,7 +5665,7 @@
           <a:p>
             <a:fld id="{E44F3716-7E2A-144C-BF83-BF0124CABBAB}" type="datetimeFigureOut">
               <a:rPr lang="en-US" smtClean="0"/>
-              <a:t>9/7/22</a:t>
+              <a:t>9/8/22</a:t>
             </a:fld>
             <a:endParaRPr lang="en-US"/>
           </a:p>
@@ -4497,7 +5783,7 @@
           <a:p>
             <a:fld id="{E44F3716-7E2A-144C-BF83-BF0124CABBAB}" type="datetimeFigureOut">
               <a:rPr lang="en-US" smtClean="0"/>
-              <a:t>9/7/22</a:t>
+              <a:t>9/8/22</a:t>
             </a:fld>
             <a:endParaRPr lang="en-US"/>
           </a:p>
@@ -4592,7 +5878,7 @@
           <a:p>
             <a:fld id="{E44F3716-7E2A-144C-BF83-BF0124CABBAB}" type="datetimeFigureOut">
               <a:rPr lang="en-US" smtClean="0"/>
-              <a:t>9/7/22</a:t>
+              <a:t>9/8/22</a:t>
             </a:fld>
             <a:endParaRPr lang="en-US"/>
           </a:p>
@@ -4841,7 +6127,7 @@
           <a:p>
             <a:fld id="{E44F3716-7E2A-144C-BF83-BF0124CABBAB}" type="datetimeFigureOut">
               <a:rPr lang="en-US" smtClean="0"/>
-              <a:t>9/7/22</a:t>
+              <a:t>9/8/22</a:t>
             </a:fld>
             <a:endParaRPr lang="en-US"/>
           </a:p>
@@ -5098,7 +6384,7 @@
           <a:p>
             <a:fld id="{E44F3716-7E2A-144C-BF83-BF0124CABBAB}" type="datetimeFigureOut">
               <a:rPr lang="en-US" smtClean="0"/>
-              <a:t>9/7/22</a:t>
+              <a:t>9/8/22</a:t>
             </a:fld>
             <a:endParaRPr lang="en-US"/>
           </a:p>
@@ -5341,7 +6627,7 @@
           <a:p>
             <a:fld id="{E44F3716-7E2A-144C-BF83-BF0124CABBAB}" type="datetimeFigureOut">
               <a:rPr lang="en-US" smtClean="0"/>
-              <a:t>9/7/22</a:t>
+              <a:t>9/8/22</a:t>
             </a:fld>
             <a:endParaRPr lang="en-US"/>
           </a:p>
@@ -5825,6 +7111,98 @@
 </p:sld>
 </file>
 
+<file path=ppt/slides/slide10.xml><?xml version="1.0" encoding="utf-8"?>
+<p:sld xmlns:a="http://schemas.openxmlformats.org/drawingml/2006/main" xmlns:r="http://schemas.openxmlformats.org/officeDocument/2006/relationships" xmlns:p="http://schemas.openxmlformats.org/presentationml/2006/main">
+  <p:cSld>
+    <p:spTree>
+      <p:nvGrpSpPr>
+        <p:cNvPr id="1" name=""/>
+        <p:cNvGrpSpPr/>
+        <p:nvPr/>
+      </p:nvGrpSpPr>
+      <p:grpSpPr>
+        <a:xfrm>
+          <a:off x="0" y="0"/>
+          <a:ext cx="0" cy="0"/>
+          <a:chOff x="0" y="0"/>
+          <a:chExt cx="0" cy="0"/>
+        </a:xfrm>
+      </p:grpSpPr>
+      <p:sp>
+        <p:nvSpPr>
+          <p:cNvPr id="2" name="Title 1">
+            <a:extLst>
+              <a:ext uri="{FF2B5EF4-FFF2-40B4-BE49-F238E27FC236}">
+                <a16:creationId xmlns:a16="http://schemas.microsoft.com/office/drawing/2014/main" id="{35438380-2F72-A6D6-2FE6-CBB4FCABCBA0}"/>
+              </a:ext>
+            </a:extLst>
+          </p:cNvPr>
+          <p:cNvSpPr>
+            <a:spLocks noGrp="1"/>
+          </p:cNvSpPr>
+          <p:nvPr>
+            <p:ph type="title"/>
+          </p:nvPr>
+        </p:nvSpPr>
+        <p:spPr/>
+        <p:txBody>
+          <a:bodyPr/>
+          <a:lstStyle/>
+          <a:p>
+            <a:r>
+              <a:rPr lang="en-US" dirty="0" err="1"/>
+              <a:t>Balbi</a:t>
+            </a:r>
+            <a:r>
+              <a:rPr lang="en-US" dirty="0"/>
+              <a:t> w_0 sensitivity</a:t>
+            </a:r>
+          </a:p>
+        </p:txBody>
+      </p:sp>
+      <p:graphicFrame>
+        <p:nvGraphicFramePr>
+          <p:cNvPr id="3" name="Chart 2">
+            <a:extLst>
+              <a:ext uri="{FF2B5EF4-FFF2-40B4-BE49-F238E27FC236}">
+                <a16:creationId xmlns:a16="http://schemas.microsoft.com/office/drawing/2014/main" id="{5B11C686-AE42-F3A3-6B73-D4761ADC3744}"/>
+              </a:ext>
+            </a:extLst>
+          </p:cNvPr>
+          <p:cNvGraphicFramePr>
+            <a:graphicFrameLocks noGrp="1"/>
+          </p:cNvGraphicFramePr>
+          <p:nvPr>
+            <p:extLst>
+              <p:ext uri="{D42A27DB-BD31-4B8C-83A1-F6EECF244321}">
+                <p14:modId xmlns:p14="http://schemas.microsoft.com/office/powerpoint/2010/main" val="17400906"/>
+              </p:ext>
+            </p:extLst>
+          </p:nvPr>
+        </p:nvGraphicFramePr>
+        <p:xfrm>
+          <a:off x="2403373" y="1915886"/>
+          <a:ext cx="6893027" cy="4796594"/>
+        </p:xfrm>
+        <a:graphic>
+          <a:graphicData uri="http://schemas.openxmlformats.org/drawingml/2006/chart">
+            <c:chart xmlns:c="http://schemas.openxmlformats.org/drawingml/2006/chart" xmlns:r="http://schemas.openxmlformats.org/officeDocument/2006/relationships" r:id="rId2"/>
+          </a:graphicData>
+        </a:graphic>
+      </p:graphicFrame>
+    </p:spTree>
+    <p:extLst>
+      <p:ext uri="{BB962C8B-B14F-4D97-AF65-F5344CB8AC3E}">
+        <p14:creationId xmlns:p14="http://schemas.microsoft.com/office/powerpoint/2010/main" val="3043740379"/>
+      </p:ext>
+    </p:extLst>
+  </p:cSld>
+  <p:clrMapOvr>
+    <a:masterClrMapping/>
+  </p:clrMapOvr>
+</p:sld>
+</file>
+
 <file path=ppt/slides/slide2.xml><?xml version="1.0" encoding="utf-8"?>
 <p:sld xmlns:a="http://schemas.openxmlformats.org/drawingml/2006/main" xmlns:r="http://schemas.openxmlformats.org/officeDocument/2006/relationships" xmlns:p="http://schemas.openxmlformats.org/presentationml/2006/main">
   <p:cSld>
@@ -6928,8 +8306,19 @@
           <a:p>
             <a:r>
               <a:rPr lang="en-US" dirty="0"/>
-              <a:t>I’m still not satisfied with the 18.89m winds as they still increase with time, but the graph is much smoother, and the change isn’t as drastic as the previous simulations</a:t>
-            </a:r>
+              <a:t>We noticed 600 seconds into the simulation may be a point to start the run, so the </a:t>
+            </a:r>
+            <a:r>
+              <a:rPr lang="en-US" dirty="0" err="1"/>
+              <a:t>namelist.input</a:t>
+            </a:r>
+            <a:r>
+              <a:rPr lang="en-US" dirty="0"/>
+              <a:t> was adjusted (along with the ignition times) to change the initialization to 600 seconds instead of 1200</a:t>
+            </a:r>
+          </a:p>
+          <a:p>
+            <a:endParaRPr lang="en-US" dirty="0"/>
           </a:p>
         </p:txBody>
       </p:sp>
@@ -7094,6 +8483,138 @@
     <p:extLst>
       <p:ext uri="{BB962C8B-B14F-4D97-AF65-F5344CB8AC3E}">
         <p14:creationId xmlns:p14="http://schemas.microsoft.com/office/powerpoint/2010/main" val="28958608"/>
+      </p:ext>
+    </p:extLst>
+  </p:cSld>
+  <p:clrMapOvr>
+    <a:masterClrMapping/>
+  </p:clrMapOvr>
+</p:sld>
+</file>
+
+<file path=ppt/slides/slide9.xml><?xml version="1.0" encoding="utf-8"?>
+<p:sld xmlns:a="http://schemas.openxmlformats.org/drawingml/2006/main" xmlns:r="http://schemas.openxmlformats.org/officeDocument/2006/relationships" xmlns:p="http://schemas.openxmlformats.org/presentationml/2006/main">
+  <p:cSld>
+    <p:spTree>
+      <p:nvGrpSpPr>
+        <p:cNvPr id="1" name=""/>
+        <p:cNvGrpSpPr/>
+        <p:nvPr/>
+      </p:nvGrpSpPr>
+      <p:grpSpPr>
+        <a:xfrm>
+          <a:off x="0" y="0"/>
+          <a:ext cx="0" cy="0"/>
+          <a:chOff x="0" y="0"/>
+          <a:chExt cx="0" cy="0"/>
+        </a:xfrm>
+      </p:grpSpPr>
+      <p:sp>
+        <p:nvSpPr>
+          <p:cNvPr id="2" name="Title 1">
+            <a:extLst>
+              <a:ext uri="{FF2B5EF4-FFF2-40B4-BE49-F238E27FC236}">
+                <a16:creationId xmlns:a16="http://schemas.microsoft.com/office/drawing/2014/main" id="{9F3AA676-8BE1-F427-69F3-69107329F51C}"/>
+              </a:ext>
+            </a:extLst>
+          </p:cNvPr>
+          <p:cNvSpPr>
+            <a:spLocks noGrp="1"/>
+          </p:cNvSpPr>
+          <p:nvPr>
+            <p:ph type="title"/>
+          </p:nvPr>
+        </p:nvSpPr>
+        <p:spPr/>
+        <p:txBody>
+          <a:bodyPr/>
+          <a:lstStyle/>
+          <a:p>
+            <a:r>
+              <a:rPr lang="en-US" dirty="0" err="1"/>
+              <a:t>Balbi</a:t>
+            </a:r>
+            <a:r>
+              <a:rPr lang="en-US" dirty="0"/>
+              <a:t> w_0 sensitivity</a:t>
+            </a:r>
+          </a:p>
+        </p:txBody>
+      </p:sp>
+      <p:sp>
+        <p:nvSpPr>
+          <p:cNvPr id="3" name="Content Placeholder 2">
+            <a:extLst>
+              <a:ext uri="{FF2B5EF4-FFF2-40B4-BE49-F238E27FC236}">
+                <a16:creationId xmlns:a16="http://schemas.microsoft.com/office/drawing/2014/main" id="{78CC2E4F-7415-EB9E-DF13-0AAB4E6E66CD}"/>
+              </a:ext>
+            </a:extLst>
+          </p:cNvPr>
+          <p:cNvSpPr>
+            <a:spLocks noGrp="1"/>
+          </p:cNvSpPr>
+          <p:nvPr>
+            <p:ph idx="1"/>
+          </p:nvPr>
+        </p:nvSpPr>
+        <p:spPr/>
+        <p:txBody>
+          <a:bodyPr/>
+          <a:lstStyle/>
+          <a:p>
+            <a:r>
+              <a:rPr lang="en-US" dirty="0"/>
+              <a:t>After looking through the code and meeting with John and Dr. Kochanski, the w_0 can not be omitted and assumed to be 50</a:t>
+            </a:r>
+          </a:p>
+          <a:p>
+            <a:r>
+              <a:rPr lang="en-US" dirty="0"/>
+              <a:t>This mainly applies to ideal simulations with a small ignition line in the beginning as larger fires will likely have too large of an ignition line</a:t>
+            </a:r>
+          </a:p>
+          <a:p>
+            <a:r>
+              <a:rPr lang="en-US" dirty="0"/>
+              <a:t>The graph shows there’s a linear fit for w_0 which comes as a surprise since there is an exponential in the </a:t>
+            </a:r>
+            <a:r>
+              <a:rPr lang="en-US" dirty="0" err="1"/>
+              <a:t>r_c</a:t>
+            </a:r>
+            <a:r>
+              <a:rPr lang="en-US" dirty="0"/>
+              <a:t> equation</a:t>
+            </a:r>
+          </a:p>
+          <a:p>
+            <a:r>
+              <a:rPr lang="en-US" dirty="0"/>
+              <a:t>Testing was done on the </a:t>
+            </a:r>
+            <a:r>
+              <a:rPr lang="en-US" dirty="0" err="1"/>
+              <a:t>matlab</a:t>
+            </a:r>
+            <a:r>
+              <a:rPr lang="en-US" dirty="0"/>
+              <a:t> </a:t>
+            </a:r>
+            <a:r>
+              <a:rPr lang="en-US" dirty="0" err="1"/>
+              <a:t>balbi</a:t>
+            </a:r>
+            <a:r>
+              <a:rPr lang="en-US" dirty="0"/>
+              <a:t> code (2021 update) with varying w_0 to see how much it change the ROS</a:t>
+            </a:r>
+          </a:p>
+        </p:txBody>
+      </p:sp>
+    </p:spTree>
+    <p:extLst>
+      <p:ext uri="{BB962C8B-B14F-4D97-AF65-F5344CB8AC3E}">
+        <p14:creationId xmlns:p14="http://schemas.microsoft.com/office/powerpoint/2010/main" val="714858906"/>
       </p:ext>
     </p:extLst>
   </p:cSld>

--- a/weekly_meetings/09092022_Presentation.pptx
+++ b/weekly_meetings/09092022_Presentation.pptx
@@ -15,6 +15,8 @@
     <p:sldId id="266" r:id="rId9"/>
     <p:sldId id="267" r:id="rId10"/>
     <p:sldId id="268" r:id="rId11"/>
+    <p:sldId id="269" r:id="rId12"/>
+    <p:sldId id="270" r:id="rId13"/>
   </p:sldIdLst>
   <p:sldSz cx="12192000" cy="6858000"/>
   <p:notesSz cx="6858000" cy="9144000"/>
@@ -7203,6 +7205,316 @@
 </p:sld>
 </file>
 
+<file path=ppt/slides/slide11.xml><?xml version="1.0" encoding="utf-8"?>
+<p:sld xmlns:a="http://schemas.openxmlformats.org/drawingml/2006/main" xmlns:r="http://schemas.openxmlformats.org/officeDocument/2006/relationships" xmlns:p="http://schemas.openxmlformats.org/presentationml/2006/main">
+  <p:cSld>
+    <p:spTree>
+      <p:nvGrpSpPr>
+        <p:cNvPr id="1" name=""/>
+        <p:cNvGrpSpPr/>
+        <p:nvPr/>
+      </p:nvGrpSpPr>
+      <p:grpSpPr>
+        <a:xfrm>
+          <a:off x="0" y="0"/>
+          <a:ext cx="0" cy="0"/>
+          <a:chOff x="0" y="0"/>
+          <a:chExt cx="0" cy="0"/>
+        </a:xfrm>
+      </p:grpSpPr>
+      <p:sp>
+        <p:nvSpPr>
+          <p:cNvPr id="2" name="Title 1">
+            <a:extLst>
+              <a:ext uri="{FF2B5EF4-FFF2-40B4-BE49-F238E27FC236}">
+                <a16:creationId xmlns:a16="http://schemas.microsoft.com/office/drawing/2014/main" id="{B57DE28B-8A0B-E770-6D1A-564ECB75103B}"/>
+              </a:ext>
+            </a:extLst>
+          </p:cNvPr>
+          <p:cNvSpPr>
+            <a:spLocks noGrp="1"/>
+          </p:cNvSpPr>
+          <p:nvPr>
+            <p:ph type="title"/>
+          </p:nvPr>
+        </p:nvSpPr>
+        <p:spPr/>
+        <p:txBody>
+          <a:bodyPr/>
+          <a:lstStyle/>
+          <a:p>
+            <a:r>
+              <a:rPr lang="en-US" dirty="0"/>
+              <a:t>Final ff2 simulation</a:t>
+            </a:r>
+          </a:p>
+        </p:txBody>
+      </p:sp>
+      <p:sp>
+        <p:nvSpPr>
+          <p:cNvPr id="3" name="Content Placeholder 2">
+            <a:extLst>
+              <a:ext uri="{FF2B5EF4-FFF2-40B4-BE49-F238E27FC236}">
+                <a16:creationId xmlns:a16="http://schemas.microsoft.com/office/drawing/2014/main" id="{A4F3D24F-4938-136A-9448-A2644856FD9C}"/>
+              </a:ext>
+            </a:extLst>
+          </p:cNvPr>
+          <p:cNvSpPr>
+            <a:spLocks noGrp="1"/>
+          </p:cNvSpPr>
+          <p:nvPr>
+            <p:ph idx="1"/>
+          </p:nvPr>
+        </p:nvSpPr>
+        <p:spPr/>
+        <p:txBody>
+          <a:bodyPr/>
+          <a:lstStyle/>
+          <a:p>
+            <a:r>
+              <a:rPr lang="en-US" dirty="0"/>
+              <a:t>Currently on Cheyenne, I’m running the final FF2 simulation	</a:t>
+            </a:r>
+          </a:p>
+          <a:p>
+            <a:pPr lvl="1"/>
+            <a:r>
+              <a:rPr lang="en-US" dirty="0"/>
+              <a:t>Over the past few months, tests have been run on a modified version of the FF2 simulation to match initial conditions between the simulation and observations</a:t>
+            </a:r>
+          </a:p>
+          <a:p>
+            <a:pPr lvl="1"/>
+            <a:r>
+              <a:rPr lang="en-US" dirty="0"/>
+              <a:t>Since this run is at 5m, it takes much longer to run, so the run is currently being done on Cheyenne at: /glade/scratch/</a:t>
+            </a:r>
+            <a:r>
+              <a:rPr lang="en-US" dirty="0" err="1"/>
+              <a:t>jbenik</a:t>
+            </a:r>
+            <a:r>
+              <a:rPr lang="en-US" dirty="0"/>
+              <a:t>/FF2_Final_Sim_09_08_22</a:t>
+            </a:r>
+          </a:p>
+          <a:p>
+            <a:pPr lvl="1"/>
+            <a:endParaRPr lang="en-US" dirty="0"/>
+          </a:p>
+        </p:txBody>
+      </p:sp>
+    </p:spTree>
+    <p:extLst>
+      <p:ext uri="{BB962C8B-B14F-4D97-AF65-F5344CB8AC3E}">
+        <p14:creationId xmlns:p14="http://schemas.microsoft.com/office/powerpoint/2010/main" val="1772437016"/>
+      </p:ext>
+    </p:extLst>
+  </p:cSld>
+  <p:clrMapOvr>
+    <a:masterClrMapping/>
+  </p:clrMapOvr>
+</p:sld>
+</file>
+
+<file path=ppt/slides/slide12.xml><?xml version="1.0" encoding="utf-8"?>
+<p:sld xmlns:a="http://schemas.openxmlformats.org/drawingml/2006/main" xmlns:r="http://schemas.openxmlformats.org/officeDocument/2006/relationships" xmlns:p="http://schemas.openxmlformats.org/presentationml/2006/main">
+  <p:cSld>
+    <p:spTree>
+      <p:nvGrpSpPr>
+        <p:cNvPr id="1" name=""/>
+        <p:cNvGrpSpPr/>
+        <p:nvPr/>
+      </p:nvGrpSpPr>
+      <p:grpSpPr>
+        <a:xfrm>
+          <a:off x="0" y="0"/>
+          <a:ext cx="0" cy="0"/>
+          <a:chOff x="0" y="0"/>
+          <a:chExt cx="0" cy="0"/>
+        </a:xfrm>
+      </p:grpSpPr>
+      <p:sp>
+        <p:nvSpPr>
+          <p:cNvPr id="2" name="Title 1">
+            <a:extLst>
+              <a:ext uri="{FF2B5EF4-FFF2-40B4-BE49-F238E27FC236}">
+                <a16:creationId xmlns:a16="http://schemas.microsoft.com/office/drawing/2014/main" id="{914BB80F-DD94-5394-807C-4ACFFAEC3B3C}"/>
+              </a:ext>
+            </a:extLst>
+          </p:cNvPr>
+          <p:cNvSpPr>
+            <a:spLocks noGrp="1"/>
+          </p:cNvSpPr>
+          <p:nvPr>
+            <p:ph type="title"/>
+          </p:nvPr>
+        </p:nvSpPr>
+        <p:spPr/>
+        <p:txBody>
+          <a:bodyPr/>
+          <a:lstStyle/>
+          <a:p>
+            <a:r>
+              <a:rPr lang="en-US" dirty="0"/>
+              <a:t>to do</a:t>
+            </a:r>
+          </a:p>
+        </p:txBody>
+      </p:sp>
+      <p:sp>
+        <p:nvSpPr>
+          <p:cNvPr id="3" name="Content Placeholder 2">
+            <a:extLst>
+              <a:ext uri="{FF2B5EF4-FFF2-40B4-BE49-F238E27FC236}">
+                <a16:creationId xmlns:a16="http://schemas.microsoft.com/office/drawing/2014/main" id="{4742B9AF-A685-B7A6-19DD-1E22F2202D7A}"/>
+              </a:ext>
+            </a:extLst>
+          </p:cNvPr>
+          <p:cNvSpPr>
+            <a:spLocks noGrp="1"/>
+          </p:cNvSpPr>
+          <p:nvPr>
+            <p:ph idx="1"/>
+          </p:nvPr>
+        </p:nvSpPr>
+        <p:spPr/>
+        <p:txBody>
+          <a:bodyPr>
+            <a:normAutofit/>
+          </a:bodyPr>
+          <a:lstStyle/>
+          <a:p>
+            <a:r>
+              <a:rPr lang="en-US" dirty="0"/>
+              <a:t>Read paper about </a:t>
+            </a:r>
+            <a:r>
+              <a:rPr lang="en-US" dirty="0" err="1"/>
+              <a:t>Rothermel</a:t>
+            </a:r>
+            <a:endParaRPr lang="en-US" dirty="0"/>
+          </a:p>
+          <a:p>
+            <a:pPr lvl="1"/>
+            <a:r>
+              <a:rPr lang="en-US" dirty="0"/>
+              <a:t>Working on </a:t>
+            </a:r>
+            <a:r>
+              <a:rPr lang="en-US" dirty="0" err="1"/>
+              <a:t>balbi</a:t>
+            </a:r>
+            <a:r>
+              <a:rPr lang="en-US" dirty="0"/>
+              <a:t> PowerPoint then I will read this</a:t>
+            </a:r>
+          </a:p>
+          <a:p>
+            <a:r>
+              <a:rPr lang="en-US" sz="1900" dirty="0"/>
+              <a:t>Write report on pressure sensors</a:t>
+            </a:r>
+          </a:p>
+          <a:p>
+            <a:pPr lvl="1"/>
+            <a:r>
+              <a:rPr lang="en-US" sz="1900" dirty="0"/>
+              <a:t>In progress</a:t>
+            </a:r>
+            <a:endParaRPr lang="en-US" sz="2100" dirty="0"/>
+          </a:p>
+          <a:p>
+            <a:r>
+              <a:rPr lang="en-US" dirty="0"/>
+              <a:t>Compute ROS with </a:t>
+            </a:r>
+            <a:r>
+              <a:rPr lang="en-US" dirty="0" err="1"/>
+              <a:t>Rothermel</a:t>
+            </a:r>
+            <a:r>
+              <a:rPr lang="en-US" dirty="0"/>
+              <a:t> model</a:t>
+            </a:r>
+          </a:p>
+          <a:p>
+            <a:pPr lvl="1"/>
+            <a:r>
+              <a:rPr lang="en-US" dirty="0"/>
+              <a:t>In progress</a:t>
+            </a:r>
+          </a:p>
+          <a:p>
+            <a:r>
+              <a:rPr lang="en-US" dirty="0"/>
+              <a:t>Compute ROS with </a:t>
+            </a:r>
+            <a:r>
+              <a:rPr lang="en-US" dirty="0" err="1"/>
+              <a:t>Balbi</a:t>
+            </a:r>
+            <a:r>
+              <a:rPr lang="en-US" dirty="0"/>
+              <a:t> model (once that’s implemented)</a:t>
+            </a:r>
+          </a:p>
+          <a:p>
+            <a:r>
+              <a:rPr lang="en-US" dirty="0"/>
+              <a:t>Make </a:t>
+            </a:r>
+            <a:r>
+              <a:rPr lang="en-US" dirty="0" err="1"/>
+              <a:t>powerpoint</a:t>
+            </a:r>
+            <a:r>
+              <a:rPr lang="en-US" dirty="0"/>
+              <a:t> about </a:t>
+            </a:r>
+            <a:r>
+              <a:rPr lang="en-US" dirty="0" err="1"/>
+              <a:t>Balbi</a:t>
+            </a:r>
+            <a:r>
+              <a:rPr lang="en-US" dirty="0"/>
+              <a:t> paper</a:t>
+            </a:r>
+          </a:p>
+          <a:p>
+            <a:pPr lvl="1"/>
+            <a:r>
+              <a:rPr lang="en-US" dirty="0"/>
+              <a:t>In progress</a:t>
+            </a:r>
+          </a:p>
+          <a:p>
+            <a:pPr marL="0" indent="0">
+              <a:buNone/>
+            </a:pPr>
+            <a:endParaRPr lang="en-US" dirty="0"/>
+          </a:p>
+          <a:p>
+            <a:endParaRPr lang="en-US" dirty="0"/>
+          </a:p>
+          <a:p>
+            <a:endParaRPr lang="en-US" dirty="0"/>
+          </a:p>
+        </p:txBody>
+      </p:sp>
+    </p:spTree>
+    <p:extLst>
+      <p:ext uri="{BB962C8B-B14F-4D97-AF65-F5344CB8AC3E}">
+        <p14:creationId xmlns:p14="http://schemas.microsoft.com/office/powerpoint/2010/main" val="1086443755"/>
+      </p:ext>
+    </p:extLst>
+  </p:cSld>
+  <p:clrMapOvr>
+    <a:masterClrMapping/>
+  </p:clrMapOvr>
+</p:sld>
+</file>
+
 <file path=ppt/slides/slide2.xml><?xml version="1.0" encoding="utf-8"?>
 <p:sld xmlns:a="http://schemas.openxmlformats.org/drawingml/2006/main" xmlns:r="http://schemas.openxmlformats.org/officeDocument/2006/relationships" xmlns:p="http://schemas.openxmlformats.org/presentationml/2006/main">
   <p:cSld>
@@ -7267,7 +7579,7 @@
         <p:spPr/>
         <p:txBody>
           <a:bodyPr>
-            <a:normAutofit fontScale="85000" lnSpcReduction="20000"/>
+            <a:normAutofit fontScale="70000" lnSpcReduction="20000"/>
           </a:bodyPr>
           <a:lstStyle/>
           <a:p>
@@ -7282,6 +7594,21 @@
             <a:endParaRPr lang="en-US" dirty="0"/>
           </a:p>
           <a:p>
+            <a:pPr lvl="1"/>
+            <a:r>
+              <a:rPr lang="en-US" dirty="0"/>
+              <a:t>Working on </a:t>
+            </a:r>
+            <a:r>
+              <a:rPr lang="en-US" dirty="0" err="1"/>
+              <a:t>balbi</a:t>
+            </a:r>
+            <a:r>
+              <a:rPr lang="en-US" dirty="0"/>
+              <a:t> PowerPoint then I will read this</a:t>
+            </a:r>
+          </a:p>
+          <a:p>
             <a:r>
               <a:rPr lang="en-US" sz="1900" dirty="0"/>
               <a:t>Write report on pressure sensors</a:t>
@@ -7291,7 +7618,7 @@
             <a:pPr lvl="1"/>
             <a:r>
               <a:rPr lang="en-US" sz="1900" dirty="0"/>
-              <a:t>Waiting for final FF2 simulation before I can write the report</a:t>
+              <a:t>In progress</a:t>
             </a:r>
             <a:endParaRPr lang="en-US" sz="2100" dirty="0"/>
           </a:p>
@@ -7318,7 +7645,7 @@
             <a:pPr lvl="1"/>
             <a:r>
               <a:rPr lang="en-US" dirty="0"/>
-              <a:t>In progress</a:t>
+              <a:t>Done, currently running</a:t>
             </a:r>
           </a:p>
           <a:p>
@@ -7374,10 +7701,16 @@
               <a:t>Balbi</a:t>
             </a:r>
             <a:r>
-              <a:rPr lang="en-US"/>
+              <a:rPr lang="en-US" dirty="0"/>
               <a:t> paper</a:t>
             </a:r>
-            <a:endParaRPr lang="en-US" dirty="0"/>
+          </a:p>
+          <a:p>
+            <a:pPr lvl="1"/>
+            <a:r>
+              <a:rPr lang="en-US" dirty="0"/>
+              <a:t>In progress</a:t>
+            </a:r>
           </a:p>
           <a:p>
             <a:r>
@@ -7398,6 +7731,13 @@
             <a:r>
               <a:rPr lang="en-US" dirty="0"/>
               <a:t>Run a case and change that and see what we get</a:t>
+            </a:r>
+          </a:p>
+          <a:p>
+            <a:pPr lvl="1"/>
+            <a:r>
+              <a:rPr lang="en-US" dirty="0"/>
+              <a:t>Done</a:t>
             </a:r>
           </a:p>
           <a:p>

--- a/weekly_meetings/09092022_Presentation.pptx
+++ b/weekly_meetings/09092022_Presentation.pptx
@@ -217,7 +217,6 @@
               <a:solidFill>
                 <a:srgbClr val="FF0000"/>
               </a:solidFill>
-              <a:prstDash val="solid"/>
               <a:round/>
             </a:ln>
             <a:effectLst/>
@@ -227,11 +226,11 @@
             <c:size val="5"/>
             <c:spPr>
               <a:solidFill>
-                <a:srgbClr val="0070C0"/>
+                <a:srgbClr val="00B0F0"/>
               </a:solidFill>
-              <a:ln w="9525">
+              <a:ln w="6350">
                 <a:solidFill>
-                  <a:srgbClr val="0070C0"/>
+                  <a:srgbClr val="00B0F0"/>
                 </a:solidFill>
               </a:ln>
               <a:effectLst/>
@@ -239,10 +238,10 @@
           </c:marker>
           <c:xVal>
             <c:numRef>
-              <c:f>Sheet1!$A$2:$A$52</c:f>
+              <c:f>Sheet1!$A$2:$A$61</c:f>
               <c:numCache>
                 <c:formatCode>General</c:formatCode>
-                <c:ptCount val="51"/>
+                <c:ptCount val="60"/>
                 <c:pt idx="0">
                   <c:v>1</c:v>
                 </c:pt>
@@ -395,16 +394,43 @@
                 </c:pt>
                 <c:pt idx="50">
                   <c:v>51</c:v>
+                </c:pt>
+                <c:pt idx="51">
+                  <c:v>52</c:v>
+                </c:pt>
+                <c:pt idx="52">
+                  <c:v>53</c:v>
+                </c:pt>
+                <c:pt idx="53">
+                  <c:v>54</c:v>
+                </c:pt>
+                <c:pt idx="54">
+                  <c:v>55</c:v>
+                </c:pt>
+                <c:pt idx="55">
+                  <c:v>56</c:v>
+                </c:pt>
+                <c:pt idx="56">
+                  <c:v>57</c:v>
+                </c:pt>
+                <c:pt idx="57">
+                  <c:v>58</c:v>
+                </c:pt>
+                <c:pt idx="58">
+                  <c:v>59</c:v>
+                </c:pt>
+                <c:pt idx="59">
+                  <c:v>60</c:v>
                 </c:pt>
               </c:numCache>
             </c:numRef>
           </c:xVal>
           <c:yVal>
             <c:numRef>
-              <c:f>Sheet1!$B$2:$B$52</c:f>
+              <c:f>Sheet1!$B$2:$B$61</c:f>
               <c:numCache>
                 <c:formatCode>General</c:formatCode>
-                <c:ptCount val="51"/>
+                <c:ptCount val="60"/>
                 <c:pt idx="0">
                   <c:v>5.5300000000000002E-2</c:v>
                 </c:pt>
@@ -556,6 +582,33 @@
                   <c:v>0.24210000000000001</c:v>
                 </c:pt>
                 <c:pt idx="50">
+                  <c:v>0.24210000000000001</c:v>
+                </c:pt>
+                <c:pt idx="51">
+                  <c:v>0.24210000000000001</c:v>
+                </c:pt>
+                <c:pt idx="52">
+                  <c:v>0.24210000000000001</c:v>
+                </c:pt>
+                <c:pt idx="53">
+                  <c:v>0.24210000000000001</c:v>
+                </c:pt>
+                <c:pt idx="54">
+                  <c:v>0.24210000000000001</c:v>
+                </c:pt>
+                <c:pt idx="55">
+                  <c:v>0.24210000000000001</c:v>
+                </c:pt>
+                <c:pt idx="56">
+                  <c:v>0.24210000000000001</c:v>
+                </c:pt>
+                <c:pt idx="57">
+                  <c:v>0.24210000000000001</c:v>
+                </c:pt>
+                <c:pt idx="58">
+                  <c:v>0.24210000000000001</c:v>
+                </c:pt>
+                <c:pt idx="59">
                   <c:v>0.24210000000000001</c:v>
                 </c:pt>
               </c:numCache>
@@ -564,7 +617,837 @@
           <c:smooth val="0"/>
           <c:extLst>
             <c:ext xmlns:c16="http://schemas.microsoft.com/office/drawing/2014/chart" uri="{C3380CC4-5D6E-409C-BE32-E72D297353CC}">
-              <c16:uniqueId val="{00000000-8DF6-4949-AC2F-6CCB70F558F1}"/>
+              <c16:uniqueId val="{00000000-3DE1-4B42-9D6A-E555A8521A86}"/>
+            </c:ext>
+          </c:extLst>
+        </c:ser>
+        <c:ser>
+          <c:idx val="1"/>
+          <c:order val="1"/>
+          <c:tx>
+            <c:v>R_c</c:v>
+          </c:tx>
+          <c:spPr>
+            <a:ln w="25400" cap="rnd">
+              <a:solidFill>
+                <a:srgbClr val="FFC000"/>
+              </a:solidFill>
+              <a:round/>
+            </a:ln>
+            <a:effectLst/>
+          </c:spPr>
+          <c:marker>
+            <c:symbol val="circle"/>
+            <c:size val="5"/>
+            <c:spPr>
+              <a:solidFill>
+                <a:srgbClr val="7030A0"/>
+              </a:solidFill>
+              <a:ln w="6350">
+                <a:solidFill>
+                  <a:srgbClr val="7030A0"/>
+                </a:solidFill>
+              </a:ln>
+              <a:effectLst/>
+            </c:spPr>
+          </c:marker>
+          <c:xVal>
+            <c:numRef>
+              <c:f>Sheet1!$A$2:$A$61</c:f>
+              <c:numCache>
+                <c:formatCode>General</c:formatCode>
+                <c:ptCount val="60"/>
+                <c:pt idx="0">
+                  <c:v>1</c:v>
+                </c:pt>
+                <c:pt idx="1">
+                  <c:v>2</c:v>
+                </c:pt>
+                <c:pt idx="2">
+                  <c:v>3</c:v>
+                </c:pt>
+                <c:pt idx="3">
+                  <c:v>4</c:v>
+                </c:pt>
+                <c:pt idx="4">
+                  <c:v>5</c:v>
+                </c:pt>
+                <c:pt idx="5">
+                  <c:v>6</c:v>
+                </c:pt>
+                <c:pt idx="6">
+                  <c:v>7</c:v>
+                </c:pt>
+                <c:pt idx="7">
+                  <c:v>8</c:v>
+                </c:pt>
+                <c:pt idx="8">
+                  <c:v>9</c:v>
+                </c:pt>
+                <c:pt idx="9">
+                  <c:v>10</c:v>
+                </c:pt>
+                <c:pt idx="10">
+                  <c:v>11</c:v>
+                </c:pt>
+                <c:pt idx="11">
+                  <c:v>12</c:v>
+                </c:pt>
+                <c:pt idx="12">
+                  <c:v>13</c:v>
+                </c:pt>
+                <c:pt idx="13">
+                  <c:v>14</c:v>
+                </c:pt>
+                <c:pt idx="14">
+                  <c:v>15</c:v>
+                </c:pt>
+                <c:pt idx="15">
+                  <c:v>16</c:v>
+                </c:pt>
+                <c:pt idx="16">
+                  <c:v>17</c:v>
+                </c:pt>
+                <c:pt idx="17">
+                  <c:v>18</c:v>
+                </c:pt>
+                <c:pt idx="18">
+                  <c:v>19</c:v>
+                </c:pt>
+                <c:pt idx="19">
+                  <c:v>20</c:v>
+                </c:pt>
+                <c:pt idx="20">
+                  <c:v>21</c:v>
+                </c:pt>
+                <c:pt idx="21">
+                  <c:v>22</c:v>
+                </c:pt>
+                <c:pt idx="22">
+                  <c:v>23</c:v>
+                </c:pt>
+                <c:pt idx="23">
+                  <c:v>24</c:v>
+                </c:pt>
+                <c:pt idx="24">
+                  <c:v>25</c:v>
+                </c:pt>
+                <c:pt idx="25">
+                  <c:v>26</c:v>
+                </c:pt>
+                <c:pt idx="26">
+                  <c:v>27</c:v>
+                </c:pt>
+                <c:pt idx="27">
+                  <c:v>28</c:v>
+                </c:pt>
+                <c:pt idx="28">
+                  <c:v>29</c:v>
+                </c:pt>
+                <c:pt idx="29">
+                  <c:v>30</c:v>
+                </c:pt>
+                <c:pt idx="30">
+                  <c:v>31</c:v>
+                </c:pt>
+                <c:pt idx="31">
+                  <c:v>32</c:v>
+                </c:pt>
+                <c:pt idx="32">
+                  <c:v>33</c:v>
+                </c:pt>
+                <c:pt idx="33">
+                  <c:v>34</c:v>
+                </c:pt>
+                <c:pt idx="34">
+                  <c:v>35</c:v>
+                </c:pt>
+                <c:pt idx="35">
+                  <c:v>36</c:v>
+                </c:pt>
+                <c:pt idx="36">
+                  <c:v>37</c:v>
+                </c:pt>
+                <c:pt idx="37">
+                  <c:v>38</c:v>
+                </c:pt>
+                <c:pt idx="38">
+                  <c:v>39</c:v>
+                </c:pt>
+                <c:pt idx="39">
+                  <c:v>40</c:v>
+                </c:pt>
+                <c:pt idx="40">
+                  <c:v>41</c:v>
+                </c:pt>
+                <c:pt idx="41">
+                  <c:v>42</c:v>
+                </c:pt>
+                <c:pt idx="42">
+                  <c:v>43</c:v>
+                </c:pt>
+                <c:pt idx="43">
+                  <c:v>44</c:v>
+                </c:pt>
+                <c:pt idx="44">
+                  <c:v>45</c:v>
+                </c:pt>
+                <c:pt idx="45">
+                  <c:v>46</c:v>
+                </c:pt>
+                <c:pt idx="46">
+                  <c:v>47</c:v>
+                </c:pt>
+                <c:pt idx="47">
+                  <c:v>48</c:v>
+                </c:pt>
+                <c:pt idx="48">
+                  <c:v>49</c:v>
+                </c:pt>
+                <c:pt idx="49">
+                  <c:v>50</c:v>
+                </c:pt>
+                <c:pt idx="50">
+                  <c:v>51</c:v>
+                </c:pt>
+                <c:pt idx="51">
+                  <c:v>52</c:v>
+                </c:pt>
+                <c:pt idx="52">
+                  <c:v>53</c:v>
+                </c:pt>
+                <c:pt idx="53">
+                  <c:v>54</c:v>
+                </c:pt>
+                <c:pt idx="54">
+                  <c:v>55</c:v>
+                </c:pt>
+                <c:pt idx="55">
+                  <c:v>56</c:v>
+                </c:pt>
+                <c:pt idx="56">
+                  <c:v>57</c:v>
+                </c:pt>
+                <c:pt idx="57">
+                  <c:v>58</c:v>
+                </c:pt>
+                <c:pt idx="58">
+                  <c:v>59</c:v>
+                </c:pt>
+                <c:pt idx="59">
+                  <c:v>60</c:v>
+                </c:pt>
+              </c:numCache>
+            </c:numRef>
+          </c:xVal>
+          <c:yVal>
+            <c:numRef>
+              <c:f>Sheet1!$E$2:$E$61</c:f>
+              <c:numCache>
+                <c:formatCode>General</c:formatCode>
+                <c:ptCount val="60"/>
+                <c:pt idx="0">
+                  <c:v>3.5999999999999999E-3</c:v>
+                </c:pt>
+                <c:pt idx="1">
+                  <c:v>7.1000000000000004E-3</c:v>
+                </c:pt>
+                <c:pt idx="2">
+                  <c:v>1.0699999999999999E-2</c:v>
+                </c:pt>
+                <c:pt idx="3">
+                  <c:v>1.43E-2</c:v>
+                </c:pt>
+                <c:pt idx="4">
+                  <c:v>1.7899999999999999E-2</c:v>
+                </c:pt>
+                <c:pt idx="5">
+                  <c:v>2.1499999999999998E-2</c:v>
+                </c:pt>
+                <c:pt idx="6">
+                  <c:v>2.5000000000000001E-2</c:v>
+                </c:pt>
+                <c:pt idx="7">
+                  <c:v>2.86E-2</c:v>
+                </c:pt>
+                <c:pt idx="8">
+                  <c:v>3.2199999999999999E-2</c:v>
+                </c:pt>
+                <c:pt idx="9">
+                  <c:v>3.5799999999999998E-2</c:v>
+                </c:pt>
+                <c:pt idx="10">
+                  <c:v>3.9300000000000002E-2</c:v>
+                </c:pt>
+                <c:pt idx="11">
+                  <c:v>4.2900000000000001E-2</c:v>
+                </c:pt>
+                <c:pt idx="12">
+                  <c:v>4.65E-2</c:v>
+                </c:pt>
+                <c:pt idx="13">
+                  <c:v>5.0099999999999999E-2</c:v>
+                </c:pt>
+                <c:pt idx="14">
+                  <c:v>5.3600000000000002E-2</c:v>
+                </c:pt>
+                <c:pt idx="15">
+                  <c:v>5.7200000000000001E-2</c:v>
+                </c:pt>
+                <c:pt idx="16">
+                  <c:v>6.08E-2</c:v>
+                </c:pt>
+                <c:pt idx="17">
+                  <c:v>6.4399999999999999E-2</c:v>
+                </c:pt>
+                <c:pt idx="18">
+                  <c:v>6.7900000000000002E-2</c:v>
+                </c:pt>
+                <c:pt idx="19">
+                  <c:v>7.1499999999999994E-2</c:v>
+                </c:pt>
+                <c:pt idx="20">
+                  <c:v>7.51E-2</c:v>
+                </c:pt>
+                <c:pt idx="21">
+                  <c:v>7.8700000000000006E-2</c:v>
+                </c:pt>
+                <c:pt idx="22">
+                  <c:v>8.2299999999999998E-2</c:v>
+                </c:pt>
+                <c:pt idx="23">
+                  <c:v>8.5800000000000001E-2</c:v>
+                </c:pt>
+                <c:pt idx="24">
+                  <c:v>8.9399999999999993E-2</c:v>
+                </c:pt>
+                <c:pt idx="25">
+                  <c:v>9.2999999999999999E-2</c:v>
+                </c:pt>
+                <c:pt idx="26">
+                  <c:v>9.6600000000000005E-2</c:v>
+                </c:pt>
+                <c:pt idx="27">
+                  <c:v>0.10009999999999999</c:v>
+                </c:pt>
+                <c:pt idx="28">
+                  <c:v>0.1037</c:v>
+                </c:pt>
+                <c:pt idx="29">
+                  <c:v>0.10730000000000001</c:v>
+                </c:pt>
+                <c:pt idx="30">
+                  <c:v>0.1109</c:v>
+                </c:pt>
+                <c:pt idx="31">
+                  <c:v>0.1144</c:v>
+                </c:pt>
+                <c:pt idx="32">
+                  <c:v>0.11799999999999999</c:v>
+                </c:pt>
+                <c:pt idx="33">
+                  <c:v>0.1216</c:v>
+                </c:pt>
+                <c:pt idx="34">
+                  <c:v>0.12520000000000001</c:v>
+                </c:pt>
+                <c:pt idx="35">
+                  <c:v>0.1288</c:v>
+                </c:pt>
+                <c:pt idx="36">
+                  <c:v>0.1323</c:v>
+                </c:pt>
+                <c:pt idx="37">
+                  <c:v>0.13589999999999999</c:v>
+                </c:pt>
+                <c:pt idx="38">
+                  <c:v>0.13950000000000001</c:v>
+                </c:pt>
+                <c:pt idx="39">
+                  <c:v>0.1431</c:v>
+                </c:pt>
+                <c:pt idx="40">
+                  <c:v>0.14660000000000001</c:v>
+                </c:pt>
+                <c:pt idx="41">
+                  <c:v>0.1502</c:v>
+                </c:pt>
+                <c:pt idx="42">
+                  <c:v>0.15379999999999999</c:v>
+                </c:pt>
+                <c:pt idx="43">
+                  <c:v>0.15740000000000001</c:v>
+                </c:pt>
+                <c:pt idx="44">
+                  <c:v>0.16089999999999999</c:v>
+                </c:pt>
+                <c:pt idx="45">
+                  <c:v>0.16450000000000001</c:v>
+                </c:pt>
+                <c:pt idx="46">
+                  <c:v>0.1681</c:v>
+                </c:pt>
+                <c:pt idx="47">
+                  <c:v>0.17169999999999999</c:v>
+                </c:pt>
+                <c:pt idx="48">
+                  <c:v>0.17530000000000001</c:v>
+                </c:pt>
+                <c:pt idx="49">
+                  <c:v>0.17879999999999999</c:v>
+                </c:pt>
+                <c:pt idx="50">
+                  <c:v>0.17879999999999999</c:v>
+                </c:pt>
+                <c:pt idx="51">
+                  <c:v>0.17879999999999999</c:v>
+                </c:pt>
+                <c:pt idx="52">
+                  <c:v>0.17879999999999999</c:v>
+                </c:pt>
+                <c:pt idx="53">
+                  <c:v>0.17879999999999999</c:v>
+                </c:pt>
+                <c:pt idx="54">
+                  <c:v>0.17879999999999999</c:v>
+                </c:pt>
+                <c:pt idx="55">
+                  <c:v>0.17879999999999999</c:v>
+                </c:pt>
+                <c:pt idx="56">
+                  <c:v>0.17879999999999999</c:v>
+                </c:pt>
+                <c:pt idx="57">
+                  <c:v>0.17879999999999999</c:v>
+                </c:pt>
+                <c:pt idx="58">
+                  <c:v>0.17879999999999999</c:v>
+                </c:pt>
+                <c:pt idx="59">
+                  <c:v>0.17879999999999999</c:v>
+                </c:pt>
+              </c:numCache>
+            </c:numRef>
+          </c:yVal>
+          <c:smooth val="0"/>
+          <c:extLst>
+            <c:ext xmlns:c16="http://schemas.microsoft.com/office/drawing/2014/chart" uri="{C3380CC4-5D6E-409C-BE32-E72D297353CC}">
+              <c16:uniqueId val="{00000001-3DE1-4B42-9D6A-E555A8521A86}"/>
+            </c:ext>
+          </c:extLst>
+        </c:ser>
+        <c:ser>
+          <c:idx val="2"/>
+          <c:order val="2"/>
+          <c:tx>
+            <c:v>R_f</c:v>
+          </c:tx>
+          <c:spPr>
+            <a:ln w="25400" cap="rnd">
+              <a:solidFill>
+                <a:srgbClr val="92D050"/>
+              </a:solidFill>
+              <a:round/>
+            </a:ln>
+            <a:effectLst/>
+          </c:spPr>
+          <c:marker>
+            <c:symbol val="circle"/>
+            <c:size val="5"/>
+            <c:spPr>
+              <a:solidFill>
+                <a:schemeClr val="accent2"/>
+              </a:solidFill>
+              <a:ln w="6350">
+                <a:solidFill>
+                  <a:schemeClr val="accent2"/>
+                </a:solidFill>
+              </a:ln>
+              <a:effectLst/>
+            </c:spPr>
+          </c:marker>
+          <c:xVal>
+            <c:numRef>
+              <c:f>Sheet1!$A$2:$A$61</c:f>
+              <c:numCache>
+                <c:formatCode>General</c:formatCode>
+                <c:ptCount val="60"/>
+                <c:pt idx="0">
+                  <c:v>1</c:v>
+                </c:pt>
+                <c:pt idx="1">
+                  <c:v>2</c:v>
+                </c:pt>
+                <c:pt idx="2">
+                  <c:v>3</c:v>
+                </c:pt>
+                <c:pt idx="3">
+                  <c:v>4</c:v>
+                </c:pt>
+                <c:pt idx="4">
+                  <c:v>5</c:v>
+                </c:pt>
+                <c:pt idx="5">
+                  <c:v>6</c:v>
+                </c:pt>
+                <c:pt idx="6">
+                  <c:v>7</c:v>
+                </c:pt>
+                <c:pt idx="7">
+                  <c:v>8</c:v>
+                </c:pt>
+                <c:pt idx="8">
+                  <c:v>9</c:v>
+                </c:pt>
+                <c:pt idx="9">
+                  <c:v>10</c:v>
+                </c:pt>
+                <c:pt idx="10">
+                  <c:v>11</c:v>
+                </c:pt>
+                <c:pt idx="11">
+                  <c:v>12</c:v>
+                </c:pt>
+                <c:pt idx="12">
+                  <c:v>13</c:v>
+                </c:pt>
+                <c:pt idx="13">
+                  <c:v>14</c:v>
+                </c:pt>
+                <c:pt idx="14">
+                  <c:v>15</c:v>
+                </c:pt>
+                <c:pt idx="15">
+                  <c:v>16</c:v>
+                </c:pt>
+                <c:pt idx="16">
+                  <c:v>17</c:v>
+                </c:pt>
+                <c:pt idx="17">
+                  <c:v>18</c:v>
+                </c:pt>
+                <c:pt idx="18">
+                  <c:v>19</c:v>
+                </c:pt>
+                <c:pt idx="19">
+                  <c:v>20</c:v>
+                </c:pt>
+                <c:pt idx="20">
+                  <c:v>21</c:v>
+                </c:pt>
+                <c:pt idx="21">
+                  <c:v>22</c:v>
+                </c:pt>
+                <c:pt idx="22">
+                  <c:v>23</c:v>
+                </c:pt>
+                <c:pt idx="23">
+                  <c:v>24</c:v>
+                </c:pt>
+                <c:pt idx="24">
+                  <c:v>25</c:v>
+                </c:pt>
+                <c:pt idx="25">
+                  <c:v>26</c:v>
+                </c:pt>
+                <c:pt idx="26">
+                  <c:v>27</c:v>
+                </c:pt>
+                <c:pt idx="27">
+                  <c:v>28</c:v>
+                </c:pt>
+                <c:pt idx="28">
+                  <c:v>29</c:v>
+                </c:pt>
+                <c:pt idx="29">
+                  <c:v>30</c:v>
+                </c:pt>
+                <c:pt idx="30">
+                  <c:v>31</c:v>
+                </c:pt>
+                <c:pt idx="31">
+                  <c:v>32</c:v>
+                </c:pt>
+                <c:pt idx="32">
+                  <c:v>33</c:v>
+                </c:pt>
+                <c:pt idx="33">
+                  <c:v>34</c:v>
+                </c:pt>
+                <c:pt idx="34">
+                  <c:v>35</c:v>
+                </c:pt>
+                <c:pt idx="35">
+                  <c:v>36</c:v>
+                </c:pt>
+                <c:pt idx="36">
+                  <c:v>37</c:v>
+                </c:pt>
+                <c:pt idx="37">
+                  <c:v>38</c:v>
+                </c:pt>
+                <c:pt idx="38">
+                  <c:v>39</c:v>
+                </c:pt>
+                <c:pt idx="39">
+                  <c:v>40</c:v>
+                </c:pt>
+                <c:pt idx="40">
+                  <c:v>41</c:v>
+                </c:pt>
+                <c:pt idx="41">
+                  <c:v>42</c:v>
+                </c:pt>
+                <c:pt idx="42">
+                  <c:v>43</c:v>
+                </c:pt>
+                <c:pt idx="43">
+                  <c:v>44</c:v>
+                </c:pt>
+                <c:pt idx="44">
+                  <c:v>45</c:v>
+                </c:pt>
+                <c:pt idx="45">
+                  <c:v>46</c:v>
+                </c:pt>
+                <c:pt idx="46">
+                  <c:v>47</c:v>
+                </c:pt>
+                <c:pt idx="47">
+                  <c:v>48</c:v>
+                </c:pt>
+                <c:pt idx="48">
+                  <c:v>49</c:v>
+                </c:pt>
+                <c:pt idx="49">
+                  <c:v>50</c:v>
+                </c:pt>
+                <c:pt idx="50">
+                  <c:v>51</c:v>
+                </c:pt>
+                <c:pt idx="51">
+                  <c:v>52</c:v>
+                </c:pt>
+                <c:pt idx="52">
+                  <c:v>53</c:v>
+                </c:pt>
+                <c:pt idx="53">
+                  <c:v>54</c:v>
+                </c:pt>
+                <c:pt idx="54">
+                  <c:v>55</c:v>
+                </c:pt>
+                <c:pt idx="55">
+                  <c:v>56</c:v>
+                </c:pt>
+                <c:pt idx="56">
+                  <c:v>57</c:v>
+                </c:pt>
+                <c:pt idx="57">
+                  <c:v>58</c:v>
+                </c:pt>
+                <c:pt idx="58">
+                  <c:v>59</c:v>
+                </c:pt>
+                <c:pt idx="59">
+                  <c:v>60</c:v>
+                </c:pt>
+              </c:numCache>
+            </c:numRef>
+          </c:xVal>
+          <c:yVal>
+            <c:numRef>
+              <c:f>Sheet1!$D$2:$D$61</c:f>
+              <c:numCache>
+                <c:formatCode>General</c:formatCode>
+                <c:ptCount val="60"/>
+                <c:pt idx="0">
+                  <c:v>8.8999999999999999E-3</c:v>
+                </c:pt>
+                <c:pt idx="1">
+                  <c:v>9.4000000000000004E-3</c:v>
+                </c:pt>
+                <c:pt idx="2">
+                  <c:v>9.7999999999999997E-3</c:v>
+                </c:pt>
+                <c:pt idx="3">
+                  <c:v>1.03E-2</c:v>
+                </c:pt>
+                <c:pt idx="4">
+                  <c:v>1.0699999999999999E-2</c:v>
+                </c:pt>
+                <c:pt idx="5">
+                  <c:v>1.11E-2</c:v>
+                </c:pt>
+                <c:pt idx="6">
+                  <c:v>1.14E-2</c:v>
+                </c:pt>
+                <c:pt idx="7">
+                  <c:v>1.18E-2</c:v>
+                </c:pt>
+                <c:pt idx="8">
+                  <c:v>1.2200000000000001E-2</c:v>
+                </c:pt>
+                <c:pt idx="9">
+                  <c:v>1.2500000000000001E-2</c:v>
+                </c:pt>
+                <c:pt idx="10">
+                  <c:v>1.2800000000000001E-2</c:v>
+                </c:pt>
+                <c:pt idx="11">
+                  <c:v>1.3100000000000001E-2</c:v>
+                </c:pt>
+                <c:pt idx="12">
+                  <c:v>1.34E-2</c:v>
+                </c:pt>
+                <c:pt idx="13">
+                  <c:v>1.37E-2</c:v>
+                </c:pt>
+                <c:pt idx="14">
+                  <c:v>1.4E-2</c:v>
+                </c:pt>
+                <c:pt idx="15">
+                  <c:v>1.43E-2</c:v>
+                </c:pt>
+                <c:pt idx="16">
+                  <c:v>1.46E-2</c:v>
+                </c:pt>
+                <c:pt idx="17">
+                  <c:v>1.4800000000000001E-2</c:v>
+                </c:pt>
+                <c:pt idx="18">
+                  <c:v>1.5100000000000001E-2</c:v>
+                </c:pt>
+                <c:pt idx="19">
+                  <c:v>1.5299999999999999E-2</c:v>
+                </c:pt>
+                <c:pt idx="20">
+                  <c:v>1.5599999999999999E-2</c:v>
+                </c:pt>
+                <c:pt idx="21">
+                  <c:v>1.5800000000000002E-2</c:v>
+                </c:pt>
+                <c:pt idx="22">
+                  <c:v>1.6E-2</c:v>
+                </c:pt>
+                <c:pt idx="23">
+                  <c:v>1.6199999999999999E-2</c:v>
+                </c:pt>
+                <c:pt idx="24">
+                  <c:v>1.6500000000000001E-2</c:v>
+                </c:pt>
+                <c:pt idx="25">
+                  <c:v>1.67E-2</c:v>
+                </c:pt>
+                <c:pt idx="26">
+                  <c:v>1.6899999999999998E-2</c:v>
+                </c:pt>
+                <c:pt idx="27">
+                  <c:v>1.7100000000000001E-2</c:v>
+                </c:pt>
+                <c:pt idx="28">
+                  <c:v>1.72E-2</c:v>
+                </c:pt>
+                <c:pt idx="29">
+                  <c:v>1.7399999999999999E-2</c:v>
+                </c:pt>
+                <c:pt idx="30">
+                  <c:v>1.7600000000000001E-2</c:v>
+                </c:pt>
+                <c:pt idx="31">
+                  <c:v>1.78E-2</c:v>
+                </c:pt>
+                <c:pt idx="32">
+                  <c:v>1.7999999999999999E-2</c:v>
+                </c:pt>
+                <c:pt idx="33">
+                  <c:v>1.8100000000000002E-2</c:v>
+                </c:pt>
+                <c:pt idx="34">
+                  <c:v>1.83E-2</c:v>
+                </c:pt>
+                <c:pt idx="35">
+                  <c:v>1.8499999999999999E-2</c:v>
+                </c:pt>
+                <c:pt idx="36">
+                  <c:v>1.8599999999999998E-2</c:v>
+                </c:pt>
+                <c:pt idx="37">
+                  <c:v>1.8800000000000001E-2</c:v>
+                </c:pt>
+                <c:pt idx="38">
+                  <c:v>1.89E-2</c:v>
+                </c:pt>
+                <c:pt idx="39">
+                  <c:v>1.9099999999999999E-2</c:v>
+                </c:pt>
+                <c:pt idx="40">
+                  <c:v>1.9199999999999998E-2</c:v>
+                </c:pt>
+                <c:pt idx="41">
+                  <c:v>1.9400000000000001E-2</c:v>
+                </c:pt>
+                <c:pt idx="42">
+                  <c:v>1.95E-2</c:v>
+                </c:pt>
+                <c:pt idx="43">
+                  <c:v>1.9599999999999999E-2</c:v>
+                </c:pt>
+                <c:pt idx="44">
+                  <c:v>1.9800000000000002E-2</c:v>
+                </c:pt>
+                <c:pt idx="45">
+                  <c:v>1.9900000000000001E-2</c:v>
+                </c:pt>
+                <c:pt idx="46">
+                  <c:v>0.02</c:v>
+                </c:pt>
+                <c:pt idx="47">
+                  <c:v>2.01E-2</c:v>
+                </c:pt>
+                <c:pt idx="48">
+                  <c:v>2.0299999999999999E-2</c:v>
+                </c:pt>
+                <c:pt idx="49">
+                  <c:v>2.0400000000000001E-2</c:v>
+                </c:pt>
+                <c:pt idx="50">
+                  <c:v>2.0400000000000001E-2</c:v>
+                </c:pt>
+                <c:pt idx="51">
+                  <c:v>2.0400000000000001E-2</c:v>
+                </c:pt>
+                <c:pt idx="52">
+                  <c:v>2.0400000000000001E-2</c:v>
+                </c:pt>
+                <c:pt idx="53">
+                  <c:v>2.0400000000000001E-2</c:v>
+                </c:pt>
+                <c:pt idx="54">
+                  <c:v>2.0400000000000001E-2</c:v>
+                </c:pt>
+                <c:pt idx="55">
+                  <c:v>2.0400000000000001E-2</c:v>
+                </c:pt>
+                <c:pt idx="56">
+                  <c:v>2.0400000000000001E-2</c:v>
+                </c:pt>
+                <c:pt idx="57">
+                  <c:v>2.0400000000000001E-2</c:v>
+                </c:pt>
+                <c:pt idx="58">
+                  <c:v>2.0400000000000001E-2</c:v>
+                </c:pt>
+                <c:pt idx="59">
+                  <c:v>2.0400000000000001E-2</c:v>
+                </c:pt>
+              </c:numCache>
+            </c:numRef>
+          </c:yVal>
+          <c:smooth val="0"/>
+          <c:extLst>
+            <c:ext xmlns:c16="http://schemas.microsoft.com/office/drawing/2014/chart" uri="{C3380CC4-5D6E-409C-BE32-E72D297353CC}">
+              <c16:uniqueId val="{00000002-3DE1-4B42-9D6A-E555A8521A86}"/>
             </c:ext>
           </c:extLst>
         </c:ser>
@@ -821,6 +1704,37 @@
         <a:effectLst/>
       </c:spPr>
     </c:plotArea>
+    <c:legend>
+      <c:legendPos val="r"/>
+      <c:overlay val="0"/>
+      <c:spPr>
+        <a:noFill/>
+        <a:ln>
+          <a:noFill/>
+        </a:ln>
+        <a:effectLst/>
+      </c:spPr>
+      <c:txPr>
+        <a:bodyPr rot="0" spcFirstLastPara="1" vertOverflow="ellipsis" vert="horz" wrap="square" anchor="ctr" anchorCtr="1"/>
+        <a:lstStyle/>
+        <a:p>
+          <a:pPr>
+            <a:defRPr sz="900" b="0" i="0" u="none" strike="noStrike" kern="1200" baseline="0">
+              <a:solidFill>
+                <a:schemeClr val="tx1">
+                  <a:lumMod val="65000"/>
+                  <a:lumOff val="35000"/>
+                </a:schemeClr>
+              </a:solidFill>
+              <a:latin typeface="Times New Roman" panose="02020603050405020304" pitchFamily="18" charset="0"/>
+              <a:ea typeface="+mn-ea"/>
+              <a:cs typeface="Times New Roman" panose="02020603050405020304" pitchFamily="18" charset="0"/>
+            </a:defRPr>
+          </a:pPr>
+          <a:endParaRPr lang="en-US"/>
+        </a:p>
+      </c:txPr>
+    </c:legend>
     <c:plotVisOnly val="1"/>
     <c:dispBlanksAs val="gap"/>
     <c:showDLblsOverMax val="0"/>
@@ -1577,7 +2491,7 @@
           <a:p>
             <a:fld id="{E44F3716-7E2A-144C-BF83-BF0124CABBAB}" type="datetimeFigureOut">
               <a:rPr lang="en-US" smtClean="0"/>
-              <a:t>9/8/22</a:t>
+              <a:t>9/9/22</a:t>
             </a:fld>
             <a:endParaRPr lang="en-US"/>
           </a:p>
@@ -1844,7 +2758,7 @@
           <a:p>
             <a:fld id="{E44F3716-7E2A-144C-BF83-BF0124CABBAB}" type="datetimeFigureOut">
               <a:rPr lang="en-US" smtClean="0"/>
-              <a:t>9/8/22</a:t>
+              <a:t>9/9/22</a:t>
             </a:fld>
             <a:endParaRPr lang="en-US"/>
           </a:p>
@@ -2075,7 +2989,7 @@
           <a:p>
             <a:fld id="{E44F3716-7E2A-144C-BF83-BF0124CABBAB}" type="datetimeFigureOut">
               <a:rPr lang="en-US" smtClean="0"/>
-              <a:t>9/8/22</a:t>
+              <a:t>9/9/22</a:t>
             </a:fld>
             <a:endParaRPr lang="en-US"/>
           </a:p>
@@ -2385,7 +3299,7 @@
           <a:p>
             <a:fld id="{E44F3716-7E2A-144C-BF83-BF0124CABBAB}" type="datetimeFigureOut">
               <a:rPr lang="en-US" smtClean="0"/>
-              <a:t>9/8/22</a:t>
+              <a:t>9/9/22</a:t>
             </a:fld>
             <a:endParaRPr lang="en-US"/>
           </a:p>
@@ -2858,7 +3772,7 @@
           <a:p>
             <a:fld id="{E44F3716-7E2A-144C-BF83-BF0124CABBAB}" type="datetimeFigureOut">
               <a:rPr lang="en-US" smtClean="0"/>
-              <a:t>9/8/22</a:t>
+              <a:t>9/9/22</a:t>
             </a:fld>
             <a:endParaRPr lang="en-US"/>
           </a:p>
@@ -3405,7 +4319,7 @@
           <a:p>
             <a:fld id="{E44F3716-7E2A-144C-BF83-BF0124CABBAB}" type="datetimeFigureOut">
               <a:rPr lang="en-US" smtClean="0"/>
-              <a:t>9/8/22</a:t>
+              <a:t>9/9/22</a:t>
             </a:fld>
             <a:endParaRPr lang="en-US"/>
           </a:p>
@@ -4179,7 +5093,7 @@
           <a:p>
             <a:fld id="{E44F3716-7E2A-144C-BF83-BF0124CABBAB}" type="datetimeFigureOut">
               <a:rPr lang="en-US" smtClean="0"/>
-              <a:t>9/8/22</a:t>
+              <a:t>9/9/22</a:t>
             </a:fld>
             <a:endParaRPr lang="en-US"/>
           </a:p>
@@ -4354,7 +5268,7 @@
           <a:p>
             <a:fld id="{E44F3716-7E2A-144C-BF83-BF0124CABBAB}" type="datetimeFigureOut">
               <a:rPr lang="en-US" smtClean="0"/>
-              <a:t>9/8/22</a:t>
+              <a:t>9/9/22</a:t>
             </a:fld>
             <a:endParaRPr lang="en-US"/>
           </a:p>
@@ -4577,7 +5491,7 @@
           <a:p>
             <a:fld id="{E44F3716-7E2A-144C-BF83-BF0124CABBAB}" type="datetimeFigureOut">
               <a:rPr lang="en-US" smtClean="0"/>
-              <a:t>9/8/22</a:t>
+              <a:t>9/9/22</a:t>
             </a:fld>
             <a:endParaRPr lang="en-US"/>
           </a:p>
@@ -4757,7 +5671,7 @@
           <a:p>
             <a:fld id="{E44F3716-7E2A-144C-BF83-BF0124CABBAB}" type="datetimeFigureOut">
               <a:rPr lang="en-US" smtClean="0"/>
-              <a:t>9/8/22</a:t>
+              <a:t>9/9/22</a:t>
             </a:fld>
             <a:endParaRPr lang="en-US"/>
           </a:p>
@@ -5046,7 +5960,7 @@
           <a:p>
             <a:fld id="{E44F3716-7E2A-144C-BF83-BF0124CABBAB}" type="datetimeFigureOut">
               <a:rPr lang="en-US" smtClean="0"/>
-              <a:t>9/8/22</a:t>
+              <a:t>9/9/22</a:t>
             </a:fld>
             <a:endParaRPr lang="en-US"/>
           </a:p>
@@ -5288,7 +6202,7 @@
           <a:p>
             <a:fld id="{E44F3716-7E2A-144C-BF83-BF0124CABBAB}" type="datetimeFigureOut">
               <a:rPr lang="en-US" smtClean="0"/>
-              <a:t>9/8/22</a:t>
+              <a:t>9/9/22</a:t>
             </a:fld>
             <a:endParaRPr lang="en-US"/>
           </a:p>
@@ -5667,7 +6581,7 @@
           <a:p>
             <a:fld id="{E44F3716-7E2A-144C-BF83-BF0124CABBAB}" type="datetimeFigureOut">
               <a:rPr lang="en-US" smtClean="0"/>
-              <a:t>9/8/22</a:t>
+              <a:t>9/9/22</a:t>
             </a:fld>
             <a:endParaRPr lang="en-US"/>
           </a:p>
@@ -5785,7 +6699,7 @@
           <a:p>
             <a:fld id="{E44F3716-7E2A-144C-BF83-BF0124CABBAB}" type="datetimeFigureOut">
               <a:rPr lang="en-US" smtClean="0"/>
-              <a:t>9/8/22</a:t>
+              <a:t>9/9/22</a:t>
             </a:fld>
             <a:endParaRPr lang="en-US"/>
           </a:p>
@@ -5880,7 +6794,7 @@
           <a:p>
             <a:fld id="{E44F3716-7E2A-144C-BF83-BF0124CABBAB}" type="datetimeFigureOut">
               <a:rPr lang="en-US" smtClean="0"/>
-              <a:t>9/8/22</a:t>
+              <a:t>9/9/22</a:t>
             </a:fld>
             <a:endParaRPr lang="en-US"/>
           </a:p>
@@ -6129,7 +7043,7 @@
           <a:p>
             <a:fld id="{E44F3716-7E2A-144C-BF83-BF0124CABBAB}" type="datetimeFigureOut">
               <a:rPr lang="en-US" smtClean="0"/>
-              <a:t>9/8/22</a:t>
+              <a:t>9/9/22</a:t>
             </a:fld>
             <a:endParaRPr lang="en-US"/>
           </a:p>
@@ -6386,7 +7300,7 @@
           <a:p>
             <a:fld id="{E44F3716-7E2A-144C-BF83-BF0124CABBAB}" type="datetimeFigureOut">
               <a:rPr lang="en-US" smtClean="0"/>
-              <a:t>9/8/22</a:t>
+              <a:t>9/9/22</a:t>
             </a:fld>
             <a:endParaRPr lang="en-US"/>
           </a:p>
@@ -6629,7 +7543,7 @@
           <a:p>
             <a:fld id="{E44F3716-7E2A-144C-BF83-BF0124CABBAB}" type="datetimeFigureOut">
               <a:rPr lang="en-US" smtClean="0"/>
-              <a:t>9/8/22</a:t>
+              <a:t>9/9/22</a:t>
             </a:fld>
             <a:endParaRPr lang="en-US"/>
           </a:p>
@@ -7164,7 +8078,7 @@
       </p:sp>
       <p:graphicFrame>
         <p:nvGraphicFramePr>
-          <p:cNvPr id="3" name="Chart 2">
+          <p:cNvPr id="7" name="Chart 6">
             <a:extLst>
               <a:ext uri="{FF2B5EF4-FFF2-40B4-BE49-F238E27FC236}">
                 <a16:creationId xmlns:a16="http://schemas.microsoft.com/office/drawing/2014/main" id="{5B11C686-AE42-F3A3-6B73-D4761ADC3744}"/>
@@ -7177,14 +8091,14 @@
           <p:nvPr>
             <p:extLst>
               <p:ext uri="{D42A27DB-BD31-4B8C-83A1-F6EECF244321}">
-                <p14:modId xmlns:p14="http://schemas.microsoft.com/office/powerpoint/2010/main" val="17400906"/>
+                <p14:modId xmlns:p14="http://schemas.microsoft.com/office/powerpoint/2010/main" val="3956268536"/>
               </p:ext>
             </p:extLst>
           </p:nvPr>
         </p:nvGraphicFramePr>
         <p:xfrm>
-          <a:off x="2403373" y="1915886"/>
-          <a:ext cx="6893027" cy="4796594"/>
+          <a:off x="2662061" y="1818290"/>
+          <a:ext cx="6867877" cy="4889310"/>
         </p:xfrm>
         <a:graphic>
           <a:graphicData uri="http://schemas.openxmlformats.org/drawingml/2006/chart">
@@ -7487,6 +8401,23 @@
               <a:rPr lang="en-US" dirty="0"/>
               <a:t>In progress</a:t>
             </a:r>
+          </a:p>
+          <a:p>
+            <a:r>
+              <a:rPr lang="en-US" dirty="0"/>
+              <a:t>Create the surface plot for </a:t>
+            </a:r>
+            <a:r>
+              <a:rPr lang="en-US" dirty="0" err="1"/>
+              <a:t>balbi</a:t>
+            </a:r>
+            <a:r>
+              <a:rPr lang="en-US" dirty="0"/>
+              <a:t> with 3 dimensions</a:t>
+            </a:r>
+          </a:p>
+          <a:p>
+            <a:endParaRPr lang="en-US" dirty="0"/>
           </a:p>
           <a:p>
             <a:pPr marL="0" indent="0">
